--- a/GeorgopoulosSpyros_FerreroPresentation.pptx
+++ b/GeorgopoulosSpyros_FerreroPresentation.pptx
@@ -16,8 +16,8 @@
     <p:sldId id="264" r:id="rId10"/>
     <p:sldId id="265" r:id="rId11"/>
     <p:sldId id="266" r:id="rId12"/>
-    <p:sldId id="267" r:id="rId13"/>
-    <p:sldId id="268" r:id="rId14"/>
+    <p:sldId id="272" r:id="rId13"/>
+    <p:sldId id="267" r:id="rId14"/>
     <p:sldId id="269" r:id="rId15"/>
     <p:sldId id="270" r:id="rId16"/>
     <p:sldId id="271" r:id="rId17"/>
@@ -119,6 +119,11 @@
       </a:defRPr>
     </a:lvl9pPr>
   </p:defaultTextStyle>
+  <p:extLst>
+    <p:ext uri="{EFAFB233-063F-42B5-8137-9DF3F51BA10A}">
+      <p15:sldGuideLst xmlns:p15="http://schemas.microsoft.com/office/powerpoint/2012/main"/>
+    </p:ext>
+  </p:extLst>
 </p:presentation>
 </file>
 
@@ -271,7 +276,7 @@
           <a:p>
             <a:fld id="{1790B9E1-7402-4BE9-961E-C8E7AB7AA3D3}" type="datetimeFigureOut">
               <a:rPr lang="el-GR" smtClean="0"/>
-              <a:t>28/4/2024</a:t>
+              <a:t>29/4/2024</a:t>
             </a:fld>
             <a:endParaRPr lang="el-GR"/>
           </a:p>
@@ -471,7 +476,7 @@
           <a:p>
             <a:fld id="{1790B9E1-7402-4BE9-961E-C8E7AB7AA3D3}" type="datetimeFigureOut">
               <a:rPr lang="el-GR" smtClean="0"/>
-              <a:t>28/4/2024</a:t>
+              <a:t>29/4/2024</a:t>
             </a:fld>
             <a:endParaRPr lang="el-GR"/>
           </a:p>
@@ -681,7 +686,7 @@
           <a:p>
             <a:fld id="{1790B9E1-7402-4BE9-961E-C8E7AB7AA3D3}" type="datetimeFigureOut">
               <a:rPr lang="el-GR" smtClean="0"/>
-              <a:t>28/4/2024</a:t>
+              <a:t>29/4/2024</a:t>
             </a:fld>
             <a:endParaRPr lang="el-GR"/>
           </a:p>
@@ -881,7 +886,7 @@
           <a:p>
             <a:fld id="{1790B9E1-7402-4BE9-961E-C8E7AB7AA3D3}" type="datetimeFigureOut">
               <a:rPr lang="el-GR" smtClean="0"/>
-              <a:t>28/4/2024</a:t>
+              <a:t>29/4/2024</a:t>
             </a:fld>
             <a:endParaRPr lang="el-GR"/>
           </a:p>
@@ -1157,7 +1162,7 @@
           <a:p>
             <a:fld id="{1790B9E1-7402-4BE9-961E-C8E7AB7AA3D3}" type="datetimeFigureOut">
               <a:rPr lang="el-GR" smtClean="0"/>
-              <a:t>28/4/2024</a:t>
+              <a:t>29/4/2024</a:t>
             </a:fld>
             <a:endParaRPr lang="el-GR"/>
           </a:p>
@@ -1425,7 +1430,7 @@
           <a:p>
             <a:fld id="{1790B9E1-7402-4BE9-961E-C8E7AB7AA3D3}" type="datetimeFigureOut">
               <a:rPr lang="el-GR" smtClean="0"/>
-              <a:t>28/4/2024</a:t>
+              <a:t>29/4/2024</a:t>
             </a:fld>
             <a:endParaRPr lang="el-GR"/>
           </a:p>
@@ -1840,7 +1845,7 @@
           <a:p>
             <a:fld id="{1790B9E1-7402-4BE9-961E-C8E7AB7AA3D3}" type="datetimeFigureOut">
               <a:rPr lang="el-GR" smtClean="0"/>
-              <a:t>28/4/2024</a:t>
+              <a:t>29/4/2024</a:t>
             </a:fld>
             <a:endParaRPr lang="el-GR"/>
           </a:p>
@@ -1982,7 +1987,7 @@
           <a:p>
             <a:fld id="{1790B9E1-7402-4BE9-961E-C8E7AB7AA3D3}" type="datetimeFigureOut">
               <a:rPr lang="el-GR" smtClean="0"/>
-              <a:t>28/4/2024</a:t>
+              <a:t>29/4/2024</a:t>
             </a:fld>
             <a:endParaRPr lang="el-GR"/>
           </a:p>
@@ -2095,7 +2100,7 @@
           <a:p>
             <a:fld id="{1790B9E1-7402-4BE9-961E-C8E7AB7AA3D3}" type="datetimeFigureOut">
               <a:rPr lang="el-GR" smtClean="0"/>
-              <a:t>28/4/2024</a:t>
+              <a:t>29/4/2024</a:t>
             </a:fld>
             <a:endParaRPr lang="el-GR"/>
           </a:p>
@@ -2408,7 +2413,7 @@
           <a:p>
             <a:fld id="{1790B9E1-7402-4BE9-961E-C8E7AB7AA3D3}" type="datetimeFigureOut">
               <a:rPr lang="el-GR" smtClean="0"/>
-              <a:t>28/4/2024</a:t>
+              <a:t>29/4/2024</a:t>
             </a:fld>
             <a:endParaRPr lang="el-GR"/>
           </a:p>
@@ -2697,7 +2702,7 @@
           <a:p>
             <a:fld id="{1790B9E1-7402-4BE9-961E-C8E7AB7AA3D3}" type="datetimeFigureOut">
               <a:rPr lang="el-GR" smtClean="0"/>
-              <a:t>28/4/2024</a:t>
+              <a:t>29/4/2024</a:t>
             </a:fld>
             <a:endParaRPr lang="el-GR"/>
           </a:p>
@@ -2940,7 +2945,7 @@
           <a:p>
             <a:fld id="{1790B9E1-7402-4BE9-961E-C8E7AB7AA3D3}" type="datetimeFigureOut">
               <a:rPr lang="el-GR" smtClean="0"/>
-              <a:t>28/4/2024</a:t>
+              <a:t>29/4/2024</a:t>
             </a:fld>
             <a:endParaRPr lang="el-GR"/>
           </a:p>
@@ -3877,71 +3882,594 @@
       </p:sp>
       <p:sp>
         <p:nvSpPr>
-          <p:cNvPr id="4" name="TextBox 3">
-            <a:extLst>
-              <a:ext uri="{FF2B5EF4-FFF2-40B4-BE49-F238E27FC236}">
-                <a16:creationId xmlns:a16="http://schemas.microsoft.com/office/drawing/2014/main" id="{21162AC6-FDBB-F497-9761-A3945E57B518}"/>
-              </a:ext>
-            </a:extLst>
-          </p:cNvPr>
-          <p:cNvSpPr txBox="1"/>
-          <p:nvPr/>
-        </p:nvSpPr>
-        <p:spPr>
-          <a:xfrm>
-            <a:off x="3047260" y="3108054"/>
-            <a:ext cx="6094520" cy="646331"/>
+          <p:cNvPr id="7" name="Rectangle: Rounded Corners 6">
+            <a:extLst>
+              <a:ext uri="{FF2B5EF4-FFF2-40B4-BE49-F238E27FC236}">
+                <a16:creationId xmlns:a16="http://schemas.microsoft.com/office/drawing/2014/main" id="{59C2103C-4563-A9B3-3440-A02D3DB3B5AB}"/>
+              </a:ext>
+            </a:extLst>
+          </p:cNvPr>
+          <p:cNvSpPr/>
+          <p:nvPr/>
+        </p:nvSpPr>
+        <p:spPr>
+          <a:xfrm>
+            <a:off x="365760" y="1097280"/>
+            <a:ext cx="2880360" cy="1447800"/>
+          </a:xfrm>
+          <a:prstGeom prst="roundRect">
+            <a:avLst/>
+          </a:prstGeom>
+        </p:spPr>
+        <p:style>
+          <a:lnRef idx="2">
+            <a:schemeClr val="accent5">
+              <a:shade val="15000"/>
+            </a:schemeClr>
+          </a:lnRef>
+          <a:fillRef idx="1">
+            <a:schemeClr val="accent5"/>
+          </a:fillRef>
+          <a:effectRef idx="0">
+            <a:schemeClr val="accent5"/>
+          </a:effectRef>
+          <a:fontRef idx="minor">
+            <a:schemeClr val="lt1"/>
+          </a:fontRef>
+        </p:style>
+        <p:txBody>
+          <a:bodyPr rtlCol="0" anchor="ctr"/>
+          <a:lstStyle/>
+          <a:p>
+            <a:r>
+              <a:rPr lang="en-US" b="1" dirty="0"/>
+              <a:t>Regulatory Compliance: </a:t>
+            </a:r>
+          </a:p>
+          <a:p>
+            <a:r>
+              <a:rPr lang="en-US" dirty="0"/>
+              <a:t>Bank’s model approves a loan what should not be approved. </a:t>
+            </a:r>
+            <a:endParaRPr lang="el-GR" dirty="0"/>
+          </a:p>
+        </p:txBody>
+      </p:sp>
+      <p:sp>
+        <p:nvSpPr>
+          <p:cNvPr id="8" name="Rectangle: Rounded Corners 7">
+            <a:extLst>
+              <a:ext uri="{FF2B5EF4-FFF2-40B4-BE49-F238E27FC236}">
+                <a16:creationId xmlns:a16="http://schemas.microsoft.com/office/drawing/2014/main" id="{2D792341-D7E9-78F7-24D4-A39C58150611}"/>
+              </a:ext>
+            </a:extLst>
+          </p:cNvPr>
+          <p:cNvSpPr/>
+          <p:nvPr/>
+        </p:nvSpPr>
+        <p:spPr>
+          <a:xfrm>
+            <a:off x="365760" y="3086100"/>
+            <a:ext cx="2880360" cy="1447800"/>
+          </a:xfrm>
+          <a:prstGeom prst="roundRect">
+            <a:avLst/>
+          </a:prstGeom>
+        </p:spPr>
+        <p:style>
+          <a:lnRef idx="2">
+            <a:schemeClr val="accent5">
+              <a:shade val="15000"/>
+            </a:schemeClr>
+          </a:lnRef>
+          <a:fillRef idx="1">
+            <a:schemeClr val="accent5"/>
+          </a:fillRef>
+          <a:effectRef idx="0">
+            <a:schemeClr val="accent5"/>
+          </a:effectRef>
+          <a:fontRef idx="minor">
+            <a:schemeClr val="lt1"/>
+          </a:fontRef>
+        </p:style>
+        <p:txBody>
+          <a:bodyPr rtlCol="0" anchor="ctr"/>
+          <a:lstStyle/>
+          <a:p>
+            <a:r>
+              <a:rPr lang="en-US" b="1" dirty="0">
+                <a:solidFill>
+                  <a:schemeClr val="bg1"/>
+                </a:solidFill>
+                <a:latin typeface="Söhne"/>
+              </a:rPr>
+              <a:t>Risk Management</a:t>
+            </a:r>
+            <a:r>
+              <a:rPr lang="en-US" b="1" dirty="0">
+                <a:solidFill>
+                  <a:schemeClr val="bg1"/>
+                </a:solidFill>
+              </a:rPr>
+              <a:t>:</a:t>
+            </a:r>
+            <a:r>
+              <a:rPr lang="en-US" dirty="0">
+                <a:solidFill>
+                  <a:schemeClr val="bg1"/>
+                </a:solidFill>
+              </a:rPr>
+              <a:t> </a:t>
+            </a:r>
+          </a:p>
+          <a:p>
+            <a:r>
+              <a:rPr lang="en-US" dirty="0">
+                <a:solidFill>
+                  <a:schemeClr val="bg1"/>
+                </a:solidFill>
+              </a:rPr>
+              <a:t>Bank’s model declines a loan what should have been approved. </a:t>
+            </a:r>
+            <a:endParaRPr lang="el-GR" dirty="0">
+              <a:solidFill>
+                <a:schemeClr val="bg1"/>
+              </a:solidFill>
+            </a:endParaRPr>
+          </a:p>
+        </p:txBody>
+      </p:sp>
+      <p:sp>
+        <p:nvSpPr>
+          <p:cNvPr id="9" name="Arrow: Right 8">
+            <a:extLst>
+              <a:ext uri="{FF2B5EF4-FFF2-40B4-BE49-F238E27FC236}">
+                <a16:creationId xmlns:a16="http://schemas.microsoft.com/office/drawing/2014/main" id="{40393BD7-B7F6-F74D-CF5E-52036DCB5B61}"/>
+              </a:ext>
+            </a:extLst>
+          </p:cNvPr>
+          <p:cNvSpPr/>
+          <p:nvPr/>
+        </p:nvSpPr>
+        <p:spPr>
+          <a:xfrm>
+            <a:off x="3537126" y="1368028"/>
+            <a:ext cx="2880360" cy="777240"/>
+          </a:xfrm>
+          <a:prstGeom prst="rightArrow">
+            <a:avLst/>
+          </a:prstGeom>
+        </p:spPr>
+        <p:style>
+          <a:lnRef idx="2">
+            <a:schemeClr val="accent4">
+              <a:shade val="15000"/>
+            </a:schemeClr>
+          </a:lnRef>
+          <a:fillRef idx="1">
+            <a:schemeClr val="accent4"/>
+          </a:fillRef>
+          <a:effectRef idx="0">
+            <a:schemeClr val="accent4"/>
+          </a:effectRef>
+          <a:fontRef idx="minor">
+            <a:schemeClr val="lt1"/>
+          </a:fontRef>
+        </p:style>
+        <p:txBody>
+          <a:bodyPr rtlCol="0" anchor="ctr"/>
+          <a:lstStyle/>
+          <a:p>
+            <a:pPr algn="ctr"/>
+            <a:r>
+              <a:rPr lang="en-US" dirty="0"/>
+              <a:t>Minimize False Positive</a:t>
+            </a:r>
+            <a:endParaRPr lang="el-GR" dirty="0"/>
+          </a:p>
+        </p:txBody>
+      </p:sp>
+      <p:sp>
+        <p:nvSpPr>
+          <p:cNvPr id="10" name="Oval 9">
+            <a:extLst>
+              <a:ext uri="{FF2B5EF4-FFF2-40B4-BE49-F238E27FC236}">
+                <a16:creationId xmlns:a16="http://schemas.microsoft.com/office/drawing/2014/main" id="{C4D65D7C-766A-3EE9-52E9-B0A0BB71F385}"/>
+              </a:ext>
+            </a:extLst>
+          </p:cNvPr>
+          <p:cNvSpPr/>
+          <p:nvPr/>
+        </p:nvSpPr>
+        <p:spPr>
+          <a:xfrm>
+            <a:off x="6655152" y="1186174"/>
+            <a:ext cx="2039270" cy="1102369"/>
+          </a:xfrm>
+          <a:prstGeom prst="ellipse">
+            <a:avLst/>
+          </a:prstGeom>
+          <a:solidFill>
+            <a:schemeClr val="accent2">
+              <a:lumMod val="40000"/>
+              <a:lumOff val="60000"/>
+            </a:schemeClr>
+          </a:solidFill>
+        </p:spPr>
+        <p:style>
+          <a:lnRef idx="2">
+            <a:schemeClr val="accent1">
+              <a:shade val="15000"/>
+            </a:schemeClr>
+          </a:lnRef>
+          <a:fillRef idx="1">
+            <a:schemeClr val="accent1"/>
+          </a:fillRef>
+          <a:effectRef idx="0">
+            <a:schemeClr val="accent1"/>
+          </a:effectRef>
+          <a:fontRef idx="minor">
+            <a:schemeClr val="lt1"/>
+          </a:fontRef>
+        </p:style>
+        <p:txBody>
+          <a:bodyPr rtlCol="0" anchor="ctr"/>
+          <a:lstStyle/>
+          <a:p>
+            <a:pPr algn="ctr"/>
+            <a:r>
+              <a:rPr lang="en-US" dirty="0"/>
+              <a:t>Increase Precision</a:t>
+            </a:r>
+            <a:endParaRPr lang="el-GR" dirty="0"/>
+          </a:p>
+        </p:txBody>
+      </p:sp>
+      <p:pic>
+        <p:nvPicPr>
+          <p:cNvPr id="14" name="Picture 13">
+            <a:extLst>
+              <a:ext uri="{FF2B5EF4-FFF2-40B4-BE49-F238E27FC236}">
+                <a16:creationId xmlns:a16="http://schemas.microsoft.com/office/drawing/2014/main" id="{CF52CACF-C365-CA53-7AB8-10B53B6F5E67}"/>
+              </a:ext>
+            </a:extLst>
+          </p:cNvPr>
+          <p:cNvPicPr>
+            <a:picLocks noChangeAspect="1"/>
+          </p:cNvPicPr>
+          <p:nvPr/>
+        </p:nvPicPr>
+        <p:blipFill>
+          <a:blip r:embed="rId2"/>
+          <a:stretch>
+            <a:fillRect/>
+          </a:stretch>
+        </p:blipFill>
+        <p:spPr>
+          <a:xfrm>
+            <a:off x="8806356" y="1249793"/>
+            <a:ext cx="3286584" cy="895475"/>
           </a:xfrm>
           <a:prstGeom prst="rect">
             <a:avLst/>
           </a:prstGeom>
-          <a:noFill/>
-        </p:spPr>
-        <p:txBody>
-          <a:bodyPr wrap="square">
-            <a:spAutoFit/>
-          </a:bodyPr>
-          <a:lstStyle/>
-          <a:p>
-            <a:r>
-              <a:rPr lang="el-GR" dirty="0"/>
-              <a:t>https://www.projectpro.io/article/loan-prediction-using-machine-learning-project-source-code/632</a:t>
-            </a:r>
-          </a:p>
-        </p:txBody>
-      </p:sp>
-      <p:sp>
-        <p:nvSpPr>
-          <p:cNvPr id="6" name="TextBox 5">
-            <a:extLst>
-              <a:ext uri="{FF2B5EF4-FFF2-40B4-BE49-F238E27FC236}">
-                <a16:creationId xmlns:a16="http://schemas.microsoft.com/office/drawing/2014/main" id="{EA8C280E-4467-22C5-75B2-15FD929B2052}"/>
-              </a:ext>
-            </a:extLst>
-          </p:cNvPr>
-          <p:cNvSpPr txBox="1"/>
-          <p:nvPr/>
-        </p:nvSpPr>
-        <p:spPr>
-          <a:xfrm>
-            <a:off x="2816441" y="4413072"/>
-            <a:ext cx="6094520" cy="646331"/>
+        </p:spPr>
+      </p:pic>
+      <p:sp>
+        <p:nvSpPr>
+          <p:cNvPr id="15" name="Arrow: Right 14">
+            <a:extLst>
+              <a:ext uri="{FF2B5EF4-FFF2-40B4-BE49-F238E27FC236}">
+                <a16:creationId xmlns:a16="http://schemas.microsoft.com/office/drawing/2014/main" id="{9F0AC057-0A2E-8C67-7752-C179E1EF4A35}"/>
+              </a:ext>
+            </a:extLst>
+          </p:cNvPr>
+          <p:cNvSpPr/>
+          <p:nvPr/>
+        </p:nvSpPr>
+        <p:spPr>
+          <a:xfrm>
+            <a:off x="3537126" y="3386853"/>
+            <a:ext cx="2880360" cy="777240"/>
+          </a:xfrm>
+          <a:prstGeom prst="rightArrow">
+            <a:avLst/>
+          </a:prstGeom>
+        </p:spPr>
+        <p:style>
+          <a:lnRef idx="2">
+            <a:schemeClr val="accent4">
+              <a:shade val="15000"/>
+            </a:schemeClr>
+          </a:lnRef>
+          <a:fillRef idx="1">
+            <a:schemeClr val="accent4"/>
+          </a:fillRef>
+          <a:effectRef idx="0">
+            <a:schemeClr val="accent4"/>
+          </a:effectRef>
+          <a:fontRef idx="minor">
+            <a:schemeClr val="lt1"/>
+          </a:fontRef>
+        </p:style>
+        <p:txBody>
+          <a:bodyPr rtlCol="0" anchor="ctr"/>
+          <a:lstStyle/>
+          <a:p>
+            <a:pPr algn="ctr"/>
+            <a:r>
+              <a:rPr lang="en-US" dirty="0"/>
+              <a:t>Minimize False Negative</a:t>
+            </a:r>
+            <a:endParaRPr lang="el-GR" dirty="0"/>
+          </a:p>
+        </p:txBody>
+      </p:sp>
+      <p:sp>
+        <p:nvSpPr>
+          <p:cNvPr id="16" name="Oval 15">
+            <a:extLst>
+              <a:ext uri="{FF2B5EF4-FFF2-40B4-BE49-F238E27FC236}">
+                <a16:creationId xmlns:a16="http://schemas.microsoft.com/office/drawing/2014/main" id="{D5F70AC3-50CE-7B60-79B7-425B1211CB45}"/>
+              </a:ext>
+            </a:extLst>
+          </p:cNvPr>
+          <p:cNvSpPr/>
+          <p:nvPr/>
+        </p:nvSpPr>
+        <p:spPr>
+          <a:xfrm>
+            <a:off x="6708492" y="3224288"/>
+            <a:ext cx="2039270" cy="1102369"/>
+          </a:xfrm>
+          <a:prstGeom prst="ellipse">
+            <a:avLst/>
+          </a:prstGeom>
+          <a:solidFill>
+            <a:schemeClr val="accent2">
+              <a:lumMod val="40000"/>
+              <a:lumOff val="60000"/>
+            </a:schemeClr>
+          </a:solidFill>
+        </p:spPr>
+        <p:style>
+          <a:lnRef idx="2">
+            <a:schemeClr val="accent1">
+              <a:shade val="15000"/>
+            </a:schemeClr>
+          </a:lnRef>
+          <a:fillRef idx="1">
+            <a:schemeClr val="accent1"/>
+          </a:fillRef>
+          <a:effectRef idx="0">
+            <a:schemeClr val="accent1"/>
+          </a:effectRef>
+          <a:fontRef idx="minor">
+            <a:schemeClr val="lt1"/>
+          </a:fontRef>
+        </p:style>
+        <p:txBody>
+          <a:bodyPr rtlCol="0" anchor="ctr"/>
+          <a:lstStyle/>
+          <a:p>
+            <a:pPr algn="ctr"/>
+            <a:r>
+              <a:rPr lang="en-US" dirty="0"/>
+              <a:t>Increase Recall</a:t>
+            </a:r>
+            <a:endParaRPr lang="el-GR" dirty="0"/>
+          </a:p>
+        </p:txBody>
+      </p:sp>
+      <p:pic>
+        <p:nvPicPr>
+          <p:cNvPr id="18" name="Picture 17">
+            <a:extLst>
+              <a:ext uri="{FF2B5EF4-FFF2-40B4-BE49-F238E27FC236}">
+                <a16:creationId xmlns:a16="http://schemas.microsoft.com/office/drawing/2014/main" id="{0B376B7D-CF2E-8A6C-BB99-7CA759FB7C67}"/>
+              </a:ext>
+            </a:extLst>
+          </p:cNvPr>
+          <p:cNvPicPr>
+            <a:picLocks noChangeAspect="1"/>
+          </p:cNvPicPr>
+          <p:nvPr/>
+        </p:nvPicPr>
+        <p:blipFill>
+          <a:blip r:embed="rId3"/>
+          <a:stretch>
+            <a:fillRect/>
+          </a:stretch>
+        </p:blipFill>
+        <p:spPr>
+          <a:xfrm>
+            <a:off x="8870659" y="3386853"/>
+            <a:ext cx="3157978" cy="700185"/>
           </a:xfrm>
           <a:prstGeom prst="rect">
             <a:avLst/>
           </a:prstGeom>
-          <a:noFill/>
-        </p:spPr>
-        <p:txBody>
-          <a:bodyPr wrap="square">
-            <a:spAutoFit/>
-          </a:bodyPr>
-          <a:lstStyle/>
-          <a:p>
-            <a:r>
-              <a:rPr lang="el-GR" dirty="0"/>
-              <a:t>https://github.com/limchiahooi/loan-approval-prediction/blob/master/loan-approval-prediction.ipynb</a:t>
-            </a:r>
+        </p:spPr>
+      </p:pic>
+      <p:sp>
+        <p:nvSpPr>
+          <p:cNvPr id="19" name="Oval 18">
+            <a:extLst>
+              <a:ext uri="{FF2B5EF4-FFF2-40B4-BE49-F238E27FC236}">
+                <a16:creationId xmlns:a16="http://schemas.microsoft.com/office/drawing/2014/main" id="{C64E632D-0BD2-68C6-4D93-272A408ECE00}"/>
+              </a:ext>
+            </a:extLst>
+          </p:cNvPr>
+          <p:cNvSpPr/>
+          <p:nvPr/>
+        </p:nvSpPr>
+        <p:spPr>
+          <a:xfrm>
+            <a:off x="6767086" y="5057022"/>
+            <a:ext cx="2039270" cy="1102369"/>
+          </a:xfrm>
+          <a:prstGeom prst="ellipse">
+            <a:avLst/>
+          </a:prstGeom>
+          <a:solidFill>
+            <a:schemeClr val="accent2">
+              <a:lumMod val="40000"/>
+              <a:lumOff val="60000"/>
+            </a:schemeClr>
+          </a:solidFill>
+        </p:spPr>
+        <p:style>
+          <a:lnRef idx="2">
+            <a:schemeClr val="accent1">
+              <a:shade val="15000"/>
+            </a:schemeClr>
+          </a:lnRef>
+          <a:fillRef idx="1">
+            <a:schemeClr val="accent1"/>
+          </a:fillRef>
+          <a:effectRef idx="0">
+            <a:schemeClr val="accent1"/>
+          </a:effectRef>
+          <a:fontRef idx="minor">
+            <a:schemeClr val="lt1"/>
+          </a:fontRef>
+        </p:style>
+        <p:txBody>
+          <a:bodyPr rtlCol="0" anchor="ctr"/>
+          <a:lstStyle/>
+          <a:p>
+            <a:pPr algn="ctr"/>
+            <a:r>
+              <a:rPr lang="en-US" dirty="0"/>
+              <a:t>F1 Score</a:t>
+            </a:r>
+            <a:endParaRPr lang="el-GR" dirty="0"/>
+          </a:p>
+        </p:txBody>
+      </p:sp>
+      <p:pic>
+        <p:nvPicPr>
+          <p:cNvPr id="21" name="Picture 20">
+            <a:extLst>
+              <a:ext uri="{FF2B5EF4-FFF2-40B4-BE49-F238E27FC236}">
+                <a16:creationId xmlns:a16="http://schemas.microsoft.com/office/drawing/2014/main" id="{4814B194-32E8-6322-102E-B69D2077539A}"/>
+              </a:ext>
+            </a:extLst>
+          </p:cNvPr>
+          <p:cNvPicPr>
+            <a:picLocks noChangeAspect="1"/>
+          </p:cNvPicPr>
+          <p:nvPr/>
+        </p:nvPicPr>
+        <p:blipFill>
+          <a:blip r:embed="rId4"/>
+          <a:stretch>
+            <a:fillRect/>
+          </a:stretch>
+        </p:blipFill>
+        <p:spPr>
+          <a:xfrm>
+            <a:off x="8995093" y="5192868"/>
+            <a:ext cx="2745843" cy="830675"/>
+          </a:xfrm>
+          <a:prstGeom prst="rect">
+            <a:avLst/>
+          </a:prstGeom>
+        </p:spPr>
+      </p:pic>
+      <p:sp>
+        <p:nvSpPr>
+          <p:cNvPr id="23" name="Arrow: Bent-Up 22">
+            <a:extLst>
+              <a:ext uri="{FF2B5EF4-FFF2-40B4-BE49-F238E27FC236}">
+                <a16:creationId xmlns:a16="http://schemas.microsoft.com/office/drawing/2014/main" id="{5F88E7CF-9076-C6DA-B5FF-7A2CED0C0BD4}"/>
+              </a:ext>
+            </a:extLst>
+          </p:cNvPr>
+          <p:cNvSpPr/>
+          <p:nvPr/>
+        </p:nvSpPr>
+        <p:spPr>
+          <a:xfrm rot="5400000">
+            <a:off x="3157318" y="3399717"/>
+            <a:ext cx="1102369" cy="4076478"/>
+          </a:xfrm>
+          <a:prstGeom prst="bentUpArrow">
+            <a:avLst>
+              <a:gd name="adj1" fmla="val 25000"/>
+              <a:gd name="adj2" fmla="val 24309"/>
+              <a:gd name="adj3" fmla="val 25000"/>
+            </a:avLst>
+          </a:prstGeom>
+        </p:spPr>
+        <p:style>
+          <a:lnRef idx="2">
+            <a:schemeClr val="accent5">
+              <a:shade val="15000"/>
+            </a:schemeClr>
+          </a:lnRef>
+          <a:fillRef idx="1">
+            <a:schemeClr val="accent5"/>
+          </a:fillRef>
+          <a:effectRef idx="0">
+            <a:schemeClr val="accent5"/>
+          </a:effectRef>
+          <a:fontRef idx="minor">
+            <a:schemeClr val="lt1"/>
+          </a:fontRef>
+        </p:style>
+        <p:txBody>
+          <a:bodyPr rtlCol="0" anchor="ctr"/>
+          <a:lstStyle/>
+          <a:p>
+            <a:pPr algn="ctr"/>
+            <a:endParaRPr lang="el-GR"/>
+          </a:p>
+        </p:txBody>
+      </p:sp>
+      <p:sp>
+        <p:nvSpPr>
+          <p:cNvPr id="24" name="Plus Sign 23">
+            <a:extLst>
+              <a:ext uri="{FF2B5EF4-FFF2-40B4-BE49-F238E27FC236}">
+                <a16:creationId xmlns:a16="http://schemas.microsoft.com/office/drawing/2014/main" id="{7BBC4DF5-3A0D-2BBD-2737-E0202C1E33A0}"/>
+              </a:ext>
+            </a:extLst>
+          </p:cNvPr>
+          <p:cNvSpPr/>
+          <p:nvPr/>
+        </p:nvSpPr>
+        <p:spPr>
+          <a:xfrm>
+            <a:off x="1607820" y="2627441"/>
+            <a:ext cx="373380" cy="381000"/>
+          </a:xfrm>
+          <a:prstGeom prst="mathPlus">
+            <a:avLst/>
+          </a:prstGeom>
+        </p:spPr>
+        <p:style>
+          <a:lnRef idx="2">
+            <a:schemeClr val="accent5">
+              <a:shade val="15000"/>
+            </a:schemeClr>
+          </a:lnRef>
+          <a:fillRef idx="1">
+            <a:schemeClr val="accent5"/>
+          </a:fillRef>
+          <a:effectRef idx="0">
+            <a:schemeClr val="accent5"/>
+          </a:effectRef>
+          <a:fontRef idx="minor">
+            <a:schemeClr val="lt1"/>
+          </a:fontRef>
+        </p:style>
+        <p:txBody>
+          <a:bodyPr rtlCol="0" anchor="ctr"/>
+          <a:lstStyle/>
+          <a:p>
+            <a:pPr algn="ctr"/>
+            <a:endParaRPr lang="el-GR"/>
           </a:p>
         </p:txBody>
       </p:sp>
@@ -4004,25 +4532,187 @@
           <a:lstStyle/>
           <a:p>
             <a:r>
+              <a:rPr lang="en-US"/>
+              <a:t>Questions 6-10 | Preprocessing before the modeling part</a:t>
+            </a:r>
+            <a:r>
+              <a:rPr lang="el-GR"/>
+              <a:t> | </a:t>
+            </a:r>
+            <a:r>
+              <a:rPr lang="en-US"/>
+              <a:t>Cross Validation</a:t>
+            </a:r>
+            <a:endParaRPr lang="el-GR" dirty="0"/>
+          </a:p>
+        </p:txBody>
+      </p:sp>
+      <p:sp>
+        <p:nvSpPr>
+          <p:cNvPr id="6" name="TextBox 5">
+            <a:extLst>
+              <a:ext uri="{FF2B5EF4-FFF2-40B4-BE49-F238E27FC236}">
+                <a16:creationId xmlns:a16="http://schemas.microsoft.com/office/drawing/2014/main" id="{F90B0E3B-9D7E-9E6A-5703-B3C9E72DF342}"/>
+              </a:ext>
+            </a:extLst>
+          </p:cNvPr>
+          <p:cNvSpPr txBox="1"/>
+          <p:nvPr/>
+        </p:nvSpPr>
+        <p:spPr>
+          <a:xfrm>
+            <a:off x="257451" y="731551"/>
+            <a:ext cx="6347460" cy="1477328"/>
+          </a:xfrm>
+          <a:prstGeom prst="rect">
+            <a:avLst/>
+          </a:prstGeom>
+          <a:noFill/>
+        </p:spPr>
+        <p:txBody>
+          <a:bodyPr wrap="square" rtlCol="0">
+            <a:spAutoFit/>
+          </a:bodyPr>
+          <a:lstStyle/>
+          <a:p>
+            <a:r>
+              <a:rPr lang="en-US" b="1" dirty="0"/>
+              <a:t>1. Robustness:</a:t>
+            </a:r>
+          </a:p>
+          <a:p>
+            <a:r>
               <a:rPr lang="en-US" dirty="0"/>
-              <a:t>Questions 6-10 | Preprocessing before the modeling part</a:t>
-            </a:r>
-            <a:r>
-              <a:rPr lang="el-GR" dirty="0"/>
-              <a:t> | </a:t>
-            </a:r>
+              <a:t>Robust estimate of model performance by repeatedly splitting the data into training and validation sets to average results which leads to a more stable generalization.</a:t>
+            </a:r>
+          </a:p>
+          <a:p>
+            <a:endParaRPr lang="en-US" dirty="0"/>
+          </a:p>
+        </p:txBody>
+      </p:sp>
+      <p:sp>
+        <p:nvSpPr>
+          <p:cNvPr id="7" name="TextBox 6">
+            <a:extLst>
+              <a:ext uri="{FF2B5EF4-FFF2-40B4-BE49-F238E27FC236}">
+                <a16:creationId xmlns:a16="http://schemas.microsoft.com/office/drawing/2014/main" id="{1C641C69-2BCB-FEEC-CD7E-456F6DCF06C2}"/>
+              </a:ext>
+            </a:extLst>
+          </p:cNvPr>
+          <p:cNvSpPr txBox="1"/>
+          <p:nvPr/>
+        </p:nvSpPr>
+        <p:spPr>
+          <a:xfrm>
+            <a:off x="257451" y="2109788"/>
+            <a:ext cx="6347460" cy="923330"/>
+          </a:xfrm>
+          <a:prstGeom prst="rect">
+            <a:avLst/>
+          </a:prstGeom>
+          <a:noFill/>
+        </p:spPr>
+        <p:txBody>
+          <a:bodyPr wrap="square" rtlCol="0">
+            <a:spAutoFit/>
+          </a:bodyPr>
+          <a:lstStyle/>
+          <a:p>
+            <a:r>
+              <a:rPr lang="en-US" b="1" dirty="0"/>
+              <a:t>2. Optimal use of data:</a:t>
+            </a:r>
+          </a:p>
+          <a:p>
             <a:r>
               <a:rPr lang="en-US" dirty="0"/>
-              <a:t>Cross Validation</a:t>
-            </a:r>
-            <a:endParaRPr lang="el-GR" dirty="0"/>
-          </a:p>
-        </p:txBody>
-      </p:sp>
+              <a:t>All data points are used for both purposes (train and test)</a:t>
+            </a:r>
+          </a:p>
+          <a:p>
+            <a:endParaRPr lang="en-US" dirty="0"/>
+          </a:p>
+        </p:txBody>
+      </p:sp>
+      <p:sp>
+        <p:nvSpPr>
+          <p:cNvPr id="8" name="TextBox 7">
+            <a:extLst>
+              <a:ext uri="{FF2B5EF4-FFF2-40B4-BE49-F238E27FC236}">
+                <a16:creationId xmlns:a16="http://schemas.microsoft.com/office/drawing/2014/main" id="{2BEA4DAD-58D2-497B-581A-7EC6007E2908}"/>
+              </a:ext>
+            </a:extLst>
+          </p:cNvPr>
+          <p:cNvSpPr txBox="1"/>
+          <p:nvPr/>
+        </p:nvSpPr>
+        <p:spPr>
+          <a:xfrm>
+            <a:off x="257451" y="2934027"/>
+            <a:ext cx="6347460" cy="1477328"/>
+          </a:xfrm>
+          <a:prstGeom prst="rect">
+            <a:avLst/>
+          </a:prstGeom>
+          <a:noFill/>
+        </p:spPr>
+        <p:txBody>
+          <a:bodyPr wrap="square" rtlCol="0">
+            <a:spAutoFit/>
+          </a:bodyPr>
+          <a:lstStyle/>
+          <a:p>
+            <a:r>
+              <a:rPr lang="en-US" b="1" dirty="0"/>
+              <a:t>3. Bias – Variance Tradeoff:</a:t>
+            </a:r>
+          </a:p>
+          <a:p>
+            <a:r>
+              <a:rPr lang="en-US" dirty="0"/>
+              <a:t>Increases how well the model generalizes to unseen data avoiding overfit and underfit since the validation takes place in many different sets</a:t>
+            </a:r>
+          </a:p>
+          <a:p>
+            <a:endParaRPr lang="en-US" dirty="0"/>
+          </a:p>
+        </p:txBody>
+      </p:sp>
+      <p:pic>
+        <p:nvPicPr>
+          <p:cNvPr id="11" name="Picture 10">
+            <a:extLst>
+              <a:ext uri="{FF2B5EF4-FFF2-40B4-BE49-F238E27FC236}">
+                <a16:creationId xmlns:a16="http://schemas.microsoft.com/office/drawing/2014/main" id="{075E3BCF-E4F0-0CF0-B6F8-9709C88770AC}"/>
+              </a:ext>
+            </a:extLst>
+          </p:cNvPr>
+          <p:cNvPicPr>
+            <a:picLocks noChangeAspect="1"/>
+          </p:cNvPicPr>
+          <p:nvPr/>
+        </p:nvPicPr>
+        <p:blipFill>
+          <a:blip r:embed="rId2"/>
+          <a:stretch>
+            <a:fillRect/>
+          </a:stretch>
+        </p:blipFill>
+        <p:spPr>
+          <a:xfrm>
+            <a:off x="257451" y="5250143"/>
+            <a:ext cx="9802593" cy="533474"/>
+          </a:xfrm>
+          <a:prstGeom prst="rect">
+            <a:avLst/>
+          </a:prstGeom>
+        </p:spPr>
+      </p:pic>
     </p:spTree>
     <p:extLst>
       <p:ext uri="{BB962C8B-B14F-4D97-AF65-F5344CB8AC3E}">
-        <p14:creationId xmlns:p14="http://schemas.microsoft.com/office/powerpoint/2010/main" val="2375243917"/>
+        <p14:creationId xmlns:p14="http://schemas.microsoft.com/office/powerpoint/2010/main" val="2446315404"/>
       </p:ext>
     </p:extLst>
   </p:cSld>
@@ -4054,7 +4744,7 @@
           <p:cNvPr id="2" name="TextBox 1">
             <a:extLst>
               <a:ext uri="{FF2B5EF4-FFF2-40B4-BE49-F238E27FC236}">
-                <a16:creationId xmlns:a16="http://schemas.microsoft.com/office/drawing/2014/main" id="{66AF3C7A-A8D3-EA71-7C09-4307D0F38E5E}"/>
+                <a16:creationId xmlns:a16="http://schemas.microsoft.com/office/drawing/2014/main" id="{5BFE98DA-E2E0-18AD-276F-EB77771858DE}"/>
               </a:ext>
             </a:extLst>
           </p:cNvPr>
@@ -4063,8 +4753,8 @@
         </p:nvSpPr>
         <p:spPr>
           <a:xfrm>
-            <a:off x="257451" y="177553"/>
-            <a:ext cx="8265112" cy="369332"/>
+            <a:off x="257450" y="177553"/>
+            <a:ext cx="9618069" cy="369332"/>
           </a:xfrm>
           <a:prstGeom prst="rect">
             <a:avLst/>
@@ -4087,8 +4777,174 @@
             </a:r>
             <a:r>
               <a:rPr lang="en-US" dirty="0"/>
-              <a:t>Possible Enhancements</a:t>
-            </a:r>
+              <a:t>Conclusions and Possible Enhancements</a:t>
+            </a:r>
+            <a:endParaRPr lang="el-GR" dirty="0"/>
+          </a:p>
+        </p:txBody>
+      </p:sp>
+      <p:pic>
+        <p:nvPicPr>
+          <p:cNvPr id="4" name="Picture 3">
+            <a:extLst>
+              <a:ext uri="{FF2B5EF4-FFF2-40B4-BE49-F238E27FC236}">
+                <a16:creationId xmlns:a16="http://schemas.microsoft.com/office/drawing/2014/main" id="{619F090B-106B-91DE-3217-AABE3AFFF704}"/>
+              </a:ext>
+            </a:extLst>
+          </p:cNvPr>
+          <p:cNvPicPr>
+            <a:picLocks noChangeAspect="1"/>
+          </p:cNvPicPr>
+          <p:nvPr/>
+        </p:nvPicPr>
+        <p:blipFill>
+          <a:blip r:embed="rId2"/>
+          <a:stretch>
+            <a:fillRect/>
+          </a:stretch>
+        </p:blipFill>
+        <p:spPr>
+          <a:xfrm>
+            <a:off x="5699759" y="1059180"/>
+            <a:ext cx="5732827" cy="3201667"/>
+          </a:xfrm>
+          <a:prstGeom prst="rect">
+            <a:avLst/>
+          </a:prstGeom>
+        </p:spPr>
+      </p:pic>
+      <p:sp>
+        <p:nvSpPr>
+          <p:cNvPr id="5" name="TextBox 4">
+            <a:extLst>
+              <a:ext uri="{FF2B5EF4-FFF2-40B4-BE49-F238E27FC236}">
+                <a16:creationId xmlns:a16="http://schemas.microsoft.com/office/drawing/2014/main" id="{3BD29EF9-45C2-8F84-8B7A-C01749A63E87}"/>
+              </a:ext>
+            </a:extLst>
+          </p:cNvPr>
+          <p:cNvSpPr txBox="1"/>
+          <p:nvPr/>
+        </p:nvSpPr>
+        <p:spPr>
+          <a:xfrm>
+            <a:off x="257450" y="1059180"/>
+            <a:ext cx="4680310" cy="2369880"/>
+          </a:xfrm>
+          <a:prstGeom prst="rect">
+            <a:avLst/>
+          </a:prstGeom>
+          <a:noFill/>
+        </p:spPr>
+        <p:txBody>
+          <a:bodyPr wrap="square" rtlCol="0">
+            <a:spAutoFit/>
+          </a:bodyPr>
+          <a:lstStyle/>
+          <a:p>
+            <a:r>
+              <a:rPr lang="en-US" dirty="0"/>
+              <a:t>Conclusions:</a:t>
+            </a:r>
+          </a:p>
+          <a:p>
+            <a:r>
+              <a:rPr lang="en-US" sz="1400" dirty="0"/>
+              <a:t>1. Having achieved an average score for f1 of 86% is good first point for the loan approval purpose project. </a:t>
+            </a:r>
+          </a:p>
+          <a:p>
+            <a:r>
+              <a:rPr lang="en-US" sz="1400" dirty="0"/>
+              <a:t>2. Need to monitor carefully the validation of the significant variables (Income, Credit History)</a:t>
+            </a:r>
+          </a:p>
+          <a:p>
+            <a:r>
+              <a:rPr lang="en-US" sz="1400" dirty="0"/>
+              <a:t>3. The inclusion of gender as a significant predictor raises questions about potential biases or discrimination in the loan approval process.</a:t>
+            </a:r>
+          </a:p>
+          <a:p>
+            <a:endParaRPr lang="en-US" sz="1400" dirty="0"/>
+          </a:p>
+          <a:p>
+            <a:endParaRPr lang="el-GR" dirty="0"/>
+          </a:p>
+        </p:txBody>
+      </p:sp>
+      <p:sp>
+        <p:nvSpPr>
+          <p:cNvPr id="6" name="TextBox 5">
+            <a:extLst>
+              <a:ext uri="{FF2B5EF4-FFF2-40B4-BE49-F238E27FC236}">
+                <a16:creationId xmlns:a16="http://schemas.microsoft.com/office/drawing/2014/main" id="{893612BF-3635-DAFA-B935-DADD9E9D534B}"/>
+              </a:ext>
+            </a:extLst>
+          </p:cNvPr>
+          <p:cNvSpPr txBox="1"/>
+          <p:nvPr/>
+        </p:nvSpPr>
+        <p:spPr>
+          <a:xfrm>
+            <a:off x="257450" y="3887533"/>
+            <a:ext cx="4680310" cy="2585323"/>
+          </a:xfrm>
+          <a:prstGeom prst="rect">
+            <a:avLst/>
+          </a:prstGeom>
+          <a:noFill/>
+        </p:spPr>
+        <p:txBody>
+          <a:bodyPr wrap="square" rtlCol="0">
+            <a:spAutoFit/>
+          </a:bodyPr>
+          <a:lstStyle/>
+          <a:p>
+            <a:r>
+              <a:rPr lang="en-US" dirty="0"/>
+              <a:t>Enhancements:</a:t>
+            </a:r>
+          </a:p>
+          <a:p>
+            <a:r>
+              <a:rPr lang="en-US" sz="1400" dirty="0"/>
+              <a:t>1. Gather more data points!</a:t>
+            </a:r>
+          </a:p>
+          <a:p>
+            <a:r>
+              <a:rPr lang="en-US" sz="1400" dirty="0"/>
+              <a:t>2. Re-train without the zero importance features</a:t>
+            </a:r>
+          </a:p>
+          <a:p>
+            <a:r>
+              <a:rPr lang="en-US" sz="1400" dirty="0"/>
+              <a:t>3. Try different algorithms (maybe ensemble)</a:t>
+            </a:r>
+          </a:p>
+          <a:p>
+            <a:r>
+              <a:rPr lang="en-US" sz="1400" dirty="0"/>
+              <a:t>4. Dive deeper into EDA to identify new ways of feature engineering</a:t>
+            </a:r>
+          </a:p>
+          <a:p>
+            <a:r>
+              <a:rPr lang="en-US" sz="1400" dirty="0"/>
+              <a:t>5. More advanced encoding techniques</a:t>
+            </a:r>
+          </a:p>
+          <a:p>
+            <a:r>
+              <a:rPr lang="en-US" sz="1400" dirty="0"/>
+              <a:t>6. Start thinking on the deployment and maintenance processes</a:t>
+            </a:r>
+          </a:p>
+          <a:p>
+            <a:endParaRPr lang="en-US" sz="1400" dirty="0"/>
+          </a:p>
+          <a:p>
             <a:endParaRPr lang="el-GR" dirty="0"/>
           </a:p>
         </p:txBody>
@@ -4096,7 +4952,7 @@
     </p:spTree>
     <p:extLst>
       <p:ext uri="{BB962C8B-B14F-4D97-AF65-F5344CB8AC3E}">
-        <p14:creationId xmlns:p14="http://schemas.microsoft.com/office/powerpoint/2010/main" val="1430590293"/>
+        <p14:creationId xmlns:p14="http://schemas.microsoft.com/office/powerpoint/2010/main" val="2375243917"/>
       </p:ext>
     </p:extLst>
   </p:cSld>
@@ -4189,6 +5045,76 @@
           <a:chExt cx="0" cy="0"/>
         </a:xfrm>
       </p:grpSpPr>
+      <p:sp>
+        <p:nvSpPr>
+          <p:cNvPr id="3" name="TextBox 2">
+            <a:extLst>
+              <a:ext uri="{FF2B5EF4-FFF2-40B4-BE49-F238E27FC236}">
+                <a16:creationId xmlns:a16="http://schemas.microsoft.com/office/drawing/2014/main" id="{BAE10327-297A-DC58-AACB-D556EDC4B96D}"/>
+              </a:ext>
+            </a:extLst>
+          </p:cNvPr>
+          <p:cNvSpPr txBox="1"/>
+          <p:nvPr/>
+        </p:nvSpPr>
+        <p:spPr>
+          <a:xfrm>
+            <a:off x="3048000" y="3105835"/>
+            <a:ext cx="6096000" cy="646331"/>
+          </a:xfrm>
+          <a:prstGeom prst="rect">
+            <a:avLst/>
+          </a:prstGeom>
+          <a:noFill/>
+        </p:spPr>
+        <p:txBody>
+          <a:bodyPr wrap="square">
+            <a:spAutoFit/>
+          </a:bodyPr>
+          <a:lstStyle/>
+          <a:p>
+            <a:r>
+              <a:rPr lang="el-GR" dirty="0"/>
+              <a:t>https://www.projectpro.io/article/loan-prediction-using-machine-learning-project-source-code/632</a:t>
+            </a:r>
+          </a:p>
+        </p:txBody>
+      </p:sp>
+      <p:sp>
+        <p:nvSpPr>
+          <p:cNvPr id="5" name="TextBox 4">
+            <a:extLst>
+              <a:ext uri="{FF2B5EF4-FFF2-40B4-BE49-F238E27FC236}">
+                <a16:creationId xmlns:a16="http://schemas.microsoft.com/office/drawing/2014/main" id="{4B7C1DCD-E026-83F6-A9E8-37A1C02C7FE7}"/>
+              </a:ext>
+            </a:extLst>
+          </p:cNvPr>
+          <p:cNvSpPr txBox="1"/>
+          <p:nvPr/>
+        </p:nvSpPr>
+        <p:spPr>
+          <a:xfrm>
+            <a:off x="3048000" y="3752166"/>
+            <a:ext cx="6096000" cy="646331"/>
+          </a:xfrm>
+          <a:prstGeom prst="rect">
+            <a:avLst/>
+          </a:prstGeom>
+          <a:noFill/>
+        </p:spPr>
+        <p:txBody>
+          <a:bodyPr wrap="square">
+            <a:spAutoFit/>
+          </a:bodyPr>
+          <a:lstStyle/>
+          <a:p>
+            <a:r>
+              <a:rPr lang="el-GR" dirty="0"/>
+              <a:t>https://github.com/limchiahooi/loan-approval-prediction/blob/master/loan-approval-prediction.ipynb</a:t>
+            </a:r>
+          </a:p>
+        </p:txBody>
+      </p:sp>
     </p:spTree>
     <p:extLst>
       <p:ext uri="{BB962C8B-B14F-4D97-AF65-F5344CB8AC3E}">
@@ -4595,7 +5521,7 @@
         </p:blipFill>
         <p:spPr>
           <a:xfrm>
-            <a:off x="8343261" y="967666"/>
+            <a:off x="378242" y="5083348"/>
             <a:ext cx="2791086" cy="1613972"/>
           </a:xfrm>
           <a:prstGeom prst="rect">
@@ -4715,7 +5641,7 @@
           <a:p>
             <a:r>
               <a:rPr lang="en-US" sz="1200" dirty="0"/>
-              <a:t>3. Predictive Modeling: Use machine learning algorithms to predict missing values based on other features in the dataset.</a:t>
+              <a:t>3. Predictive Modeling: Use machine learning algorithms to predict missing values.</a:t>
             </a:r>
             <a:endParaRPr lang="el-GR" sz="1200" dirty="0"/>
           </a:p>
@@ -4751,7 +5677,19 @@
           <a:p>
             <a:r>
               <a:rPr lang="en-US" sz="1200" dirty="0"/>
-              <a:t>4. Statistical Imputation: Replace null values with a suitable substitute, such as the mean, median, mode, or a constant value.   In order to be in place to determine a substitute strategy we should take a quick look to the distributions of the null columns.</a:t>
+              <a:t>4. Statistical Imputation: Replace null values with a suitable substitute, such as the mean, median, mode, </a:t>
+            </a:r>
+          </a:p>
+          <a:p>
+            <a:r>
+              <a:rPr lang="en-US" sz="1200" dirty="0"/>
+              <a:t>or a constant value.  To be in place to determine a substitute strategy we should take a quick look </a:t>
+            </a:r>
+          </a:p>
+          <a:p>
+            <a:r>
+              <a:rPr lang="en-US" sz="1200" dirty="0"/>
+              <a:t>to the distributions of the null columns.</a:t>
             </a:r>
             <a:endParaRPr lang="el-GR" sz="1200" dirty="0"/>
           </a:p>
@@ -4815,7 +5753,7 @@
         </p:blipFill>
         <p:spPr>
           <a:xfrm>
-            <a:off x="5101214" y="3429000"/>
+            <a:off x="5729864" y="3429000"/>
             <a:ext cx="5411158" cy="3193742"/>
           </a:xfrm>
           <a:prstGeom prst="rect">
@@ -4913,6 +5851,36 @@
           </a:p>
         </p:txBody>
       </p:sp>
+      <p:pic>
+        <p:nvPicPr>
+          <p:cNvPr id="10" name="Picture 9">
+            <a:extLst>
+              <a:ext uri="{FF2B5EF4-FFF2-40B4-BE49-F238E27FC236}">
+                <a16:creationId xmlns:a16="http://schemas.microsoft.com/office/drawing/2014/main" id="{3E9EFC32-5285-2AFB-0E90-0DB7F62EA927}"/>
+              </a:ext>
+            </a:extLst>
+          </p:cNvPr>
+          <p:cNvPicPr>
+            <a:picLocks noChangeAspect="1"/>
+          </p:cNvPicPr>
+          <p:nvPr/>
+        </p:nvPicPr>
+        <p:blipFill>
+          <a:blip r:embed="rId4"/>
+          <a:stretch>
+            <a:fillRect/>
+          </a:stretch>
+        </p:blipFill>
+        <p:spPr>
+          <a:xfrm>
+            <a:off x="7400887" y="855662"/>
+            <a:ext cx="4559848" cy="2262619"/>
+          </a:xfrm>
+          <a:prstGeom prst="rect">
+            <a:avLst/>
+          </a:prstGeom>
+        </p:spPr>
+      </p:pic>
     </p:spTree>
     <p:extLst>
       <p:ext uri="{BB962C8B-B14F-4D97-AF65-F5344CB8AC3E}">
@@ -5009,6 +5977,42 @@
           </a:prstGeom>
         </p:spPr>
       </p:pic>
+      <p:sp>
+        <p:nvSpPr>
+          <p:cNvPr id="3" name="TextBox 2">
+            <a:extLst>
+              <a:ext uri="{FF2B5EF4-FFF2-40B4-BE49-F238E27FC236}">
+                <a16:creationId xmlns:a16="http://schemas.microsoft.com/office/drawing/2014/main" id="{10518551-A5A6-F94C-354B-E2CB33D813CF}"/>
+              </a:ext>
+            </a:extLst>
+          </p:cNvPr>
+          <p:cNvSpPr txBox="1"/>
+          <p:nvPr/>
+        </p:nvSpPr>
+        <p:spPr>
+          <a:xfrm>
+            <a:off x="260350" y="908050"/>
+            <a:ext cx="3600450" cy="369332"/>
+          </a:xfrm>
+          <a:prstGeom prst="rect">
+            <a:avLst/>
+          </a:prstGeom>
+          <a:noFill/>
+        </p:spPr>
+        <p:txBody>
+          <a:bodyPr wrap="square" rtlCol="0">
+            <a:spAutoFit/>
+          </a:bodyPr>
+          <a:lstStyle/>
+          <a:p>
+            <a:r>
+              <a:rPr lang="en-US" dirty="0"/>
+              <a:t>Comments on that</a:t>
+            </a:r>
+            <a:endParaRPr lang="el-GR" dirty="0"/>
+          </a:p>
+        </p:txBody>
+      </p:sp>
     </p:spTree>
     <p:extLst>
       <p:ext uri="{BB962C8B-B14F-4D97-AF65-F5344CB8AC3E}">
@@ -5165,6 +6169,42 @@
           </a:prstGeom>
         </p:spPr>
       </p:pic>
+      <p:sp>
+        <p:nvSpPr>
+          <p:cNvPr id="3" name="TextBox 2">
+            <a:extLst>
+              <a:ext uri="{FF2B5EF4-FFF2-40B4-BE49-F238E27FC236}">
+                <a16:creationId xmlns:a16="http://schemas.microsoft.com/office/drawing/2014/main" id="{E29A74D1-105D-9A9E-6517-0E06A0314E21}"/>
+              </a:ext>
+            </a:extLst>
+          </p:cNvPr>
+          <p:cNvSpPr txBox="1"/>
+          <p:nvPr/>
+        </p:nvSpPr>
+        <p:spPr>
+          <a:xfrm>
+            <a:off x="260350" y="908050"/>
+            <a:ext cx="3600450" cy="369332"/>
+          </a:xfrm>
+          <a:prstGeom prst="rect">
+            <a:avLst/>
+          </a:prstGeom>
+          <a:noFill/>
+        </p:spPr>
+        <p:txBody>
+          <a:bodyPr wrap="square" rtlCol="0">
+            <a:spAutoFit/>
+          </a:bodyPr>
+          <a:lstStyle/>
+          <a:p>
+            <a:r>
+              <a:rPr lang="en-US" dirty="0"/>
+              <a:t>Comments on that</a:t>
+            </a:r>
+            <a:endParaRPr lang="el-GR" dirty="0"/>
+          </a:p>
+        </p:txBody>
+      </p:sp>
     </p:spTree>
     <p:extLst>
       <p:ext uri="{BB962C8B-B14F-4D97-AF65-F5344CB8AC3E}">
@@ -5323,7 +6363,7 @@
           <a:p>
             <a:r>
               <a:rPr lang="en-US" sz="1400" dirty="0"/>
-              <a:t>Again I don’t feel that removing a any data will benefit the model</a:t>
+              <a:t>Again, I did not feel that removing a any data will benefit the model</a:t>
             </a:r>
             <a:endParaRPr lang="el-GR" sz="1400" dirty="0"/>
           </a:p>
@@ -5381,7 +6421,7 @@
         </p:blipFill>
         <p:spPr>
           <a:xfrm>
-            <a:off x="5114571" y="3954023"/>
+            <a:off x="5430715" y="3909572"/>
             <a:ext cx="5751698" cy="495369"/>
           </a:xfrm>
           <a:prstGeom prst="rect">
@@ -5926,7 +6966,7 @@
           <a:p>
             <a:r>
               <a:rPr lang="en-US" sz="1400" dirty="0"/>
-              <a:t>When specifying a random seed the split method uses this values to  generate random indices for splitting the data into training and validation sets. This ensures that the random numbers generated by this code will be reproducible in future runs</a:t>
+              <a:t>When specifying a random seed, the split method uses this values to  generate random indices for splitting the data into training and validation sets. This ensures that the random numbers generated by this code will be reproducible in future runs</a:t>
             </a:r>
           </a:p>
         </p:txBody>

--- a/GeorgopoulosSpyros_FerreroPresentation.pptx
+++ b/GeorgopoulosSpyros_FerreroPresentation.pptx
@@ -19,8 +19,10 @@
     <p:sldId id="272" r:id="rId13"/>
     <p:sldId id="267" r:id="rId14"/>
     <p:sldId id="269" r:id="rId15"/>
-    <p:sldId id="270" r:id="rId16"/>
-    <p:sldId id="271" r:id="rId17"/>
+    <p:sldId id="271" r:id="rId16"/>
+    <p:sldId id="273" r:id="rId17"/>
+    <p:sldId id="274" r:id="rId18"/>
+    <p:sldId id="270" r:id="rId19"/>
   </p:sldIdLst>
   <p:sldSz cx="12192000" cy="6858000"/>
   <p:notesSz cx="6858000" cy="9144000"/>
@@ -5009,12 +5011,72 @@
           <a:p>
             <a:r>
               <a:rPr lang="en-US" sz="2000" dirty="0"/>
-              <a:t>Exercise 2 - Overview</a:t>
+              <a:t>Exercise 2 – Linear Regression</a:t>
             </a:r>
             <a:endParaRPr lang="el-GR" sz="2000" dirty="0"/>
           </a:p>
         </p:txBody>
       </p:sp>
+      <p:pic>
+        <p:nvPicPr>
+          <p:cNvPr id="5" name="Picture 4">
+            <a:extLst>
+              <a:ext uri="{FF2B5EF4-FFF2-40B4-BE49-F238E27FC236}">
+                <a16:creationId xmlns:a16="http://schemas.microsoft.com/office/drawing/2014/main" id="{DA52DB01-7E0A-A42E-9493-0A0995D6D2E5}"/>
+              </a:ext>
+            </a:extLst>
+          </p:cNvPr>
+          <p:cNvPicPr>
+            <a:picLocks noChangeAspect="1"/>
+          </p:cNvPicPr>
+          <p:nvPr/>
+        </p:nvPicPr>
+        <p:blipFill>
+          <a:blip r:embed="rId2"/>
+          <a:stretch>
+            <a:fillRect/>
+          </a:stretch>
+        </p:blipFill>
+        <p:spPr>
+          <a:xfrm>
+            <a:off x="468383" y="1714500"/>
+            <a:ext cx="2914816" cy="4411401"/>
+          </a:xfrm>
+          <a:prstGeom prst="rect">
+            <a:avLst/>
+          </a:prstGeom>
+        </p:spPr>
+      </p:pic>
+      <p:pic>
+        <p:nvPicPr>
+          <p:cNvPr id="8" name="Picture 7">
+            <a:extLst>
+              <a:ext uri="{FF2B5EF4-FFF2-40B4-BE49-F238E27FC236}">
+                <a16:creationId xmlns:a16="http://schemas.microsoft.com/office/drawing/2014/main" id="{988ADD52-2CE8-2819-F8A2-DF481FDF6973}"/>
+              </a:ext>
+            </a:extLst>
+          </p:cNvPr>
+          <p:cNvPicPr>
+            <a:picLocks noChangeAspect="1"/>
+          </p:cNvPicPr>
+          <p:nvPr/>
+        </p:nvPicPr>
+        <p:blipFill>
+          <a:blip r:embed="rId3"/>
+          <a:stretch>
+            <a:fillRect/>
+          </a:stretch>
+        </p:blipFill>
+        <p:spPr>
+          <a:xfrm>
+            <a:off x="5100307" y="1714500"/>
+            <a:ext cx="5963529" cy="4175192"/>
+          </a:xfrm>
+          <a:prstGeom prst="rect">
+            <a:avLst/>
+          </a:prstGeom>
+        </p:spPr>
+      </p:pic>
     </p:spTree>
     <p:extLst>
       <p:ext uri="{BB962C8B-B14F-4D97-AF65-F5344CB8AC3E}">
@@ -5047,10 +5109,10 @@
       </p:grpSpPr>
       <p:sp>
         <p:nvSpPr>
-          <p:cNvPr id="3" name="TextBox 2">
-            <a:extLst>
-              <a:ext uri="{FF2B5EF4-FFF2-40B4-BE49-F238E27FC236}">
-                <a16:creationId xmlns:a16="http://schemas.microsoft.com/office/drawing/2014/main" id="{BAE10327-297A-DC58-AACB-D556EDC4B96D}"/>
+          <p:cNvPr id="2" name="TextBox 1">
+            <a:extLst>
+              <a:ext uri="{FF2B5EF4-FFF2-40B4-BE49-F238E27FC236}">
+                <a16:creationId xmlns:a16="http://schemas.microsoft.com/office/drawing/2014/main" id="{311BD208-4C59-B799-1573-277DD17461CE}"/>
               </a:ext>
             </a:extLst>
           </p:cNvPr>
@@ -5059,8 +5121,8 @@
         </p:nvSpPr>
         <p:spPr>
           <a:xfrm>
-            <a:off x="3048000" y="3105835"/>
-            <a:ext cx="6096000" cy="646331"/>
+            <a:off x="266330" y="213063"/>
+            <a:ext cx="5104660" cy="400110"/>
           </a:xfrm>
           <a:prstGeom prst="rect">
             <a:avLst/>
@@ -5068,57 +5130,179 @@
           <a:noFill/>
         </p:spPr>
         <p:txBody>
-          <a:bodyPr wrap="square">
+          <a:bodyPr wrap="square" rtlCol="0">
             <a:spAutoFit/>
           </a:bodyPr>
           <a:lstStyle/>
           <a:p>
             <a:r>
-              <a:rPr lang="el-GR" dirty="0"/>
-              <a:t>https://www.projectpro.io/article/loan-prediction-using-machine-learning-project-source-code/632</a:t>
-            </a:r>
-          </a:p>
-        </p:txBody>
-      </p:sp>
-      <p:sp>
-        <p:nvSpPr>
-          <p:cNvPr id="5" name="TextBox 4">
-            <a:extLst>
-              <a:ext uri="{FF2B5EF4-FFF2-40B4-BE49-F238E27FC236}">
-                <a16:creationId xmlns:a16="http://schemas.microsoft.com/office/drawing/2014/main" id="{4B7C1DCD-E026-83F6-A9E8-37A1C02C7FE7}"/>
-              </a:ext>
-            </a:extLst>
-          </p:cNvPr>
-          <p:cNvSpPr txBox="1"/>
-          <p:nvPr/>
-        </p:nvSpPr>
-        <p:spPr>
-          <a:xfrm>
-            <a:off x="3048000" y="3752166"/>
-            <a:ext cx="6096000" cy="646331"/>
-          </a:xfrm>
-          <a:prstGeom prst="rect">
-            <a:avLst/>
-          </a:prstGeom>
-          <a:noFill/>
-        </p:spPr>
-        <p:txBody>
-          <a:bodyPr wrap="square">
-            <a:spAutoFit/>
-          </a:bodyPr>
-          <a:lstStyle/>
-          <a:p>
-            <a:r>
-              <a:rPr lang="el-GR" dirty="0"/>
-              <a:t>https://github.com/limchiahooi/loan-approval-prediction/blob/master/loan-approval-prediction.ipynb</a:t>
-            </a:r>
+              <a:rPr lang="en-US" sz="2000" dirty="0"/>
+              <a:t>Exercise 2 – Why Bayesian Approach?</a:t>
+            </a:r>
+            <a:endParaRPr lang="el-GR" sz="2000" dirty="0"/>
+          </a:p>
+        </p:txBody>
+      </p:sp>
+      <p:sp>
+        <p:nvSpPr>
+          <p:cNvPr id="5" name="Oval 4">
+            <a:extLst>
+              <a:ext uri="{FF2B5EF4-FFF2-40B4-BE49-F238E27FC236}">
+                <a16:creationId xmlns:a16="http://schemas.microsoft.com/office/drawing/2014/main" id="{FD9A9468-BF20-FACF-D2EE-C258B5AE719C}"/>
+              </a:ext>
+            </a:extLst>
+          </p:cNvPr>
+          <p:cNvSpPr/>
+          <p:nvPr/>
+        </p:nvSpPr>
+        <p:spPr>
+          <a:xfrm>
+            <a:off x="807350" y="1173480"/>
+            <a:ext cx="4305670" cy="2776895"/>
+          </a:xfrm>
+          <a:prstGeom prst="ellipse">
+            <a:avLst/>
+          </a:prstGeom>
+        </p:spPr>
+        <p:style>
+          <a:lnRef idx="2">
+            <a:schemeClr val="accent2">
+              <a:shade val="15000"/>
+            </a:schemeClr>
+          </a:lnRef>
+          <a:fillRef idx="1">
+            <a:schemeClr val="accent2"/>
+          </a:fillRef>
+          <a:effectRef idx="0">
+            <a:schemeClr val="accent2"/>
+          </a:effectRef>
+          <a:fontRef idx="minor">
+            <a:schemeClr val="lt1"/>
+          </a:fontRef>
+        </p:style>
+        <p:txBody>
+          <a:bodyPr rtlCol="0" anchor="ctr"/>
+          <a:lstStyle/>
+          <a:p>
+            <a:pPr algn="ctr"/>
+            <a:r>
+              <a:rPr lang="en-US" b="1" dirty="0"/>
+              <a:t>Linear Regression</a:t>
+            </a:r>
+          </a:p>
+          <a:p>
+            <a:pPr algn="ctr"/>
+            <a:r>
+              <a:rPr lang="en-US" sz="1400" dirty="0"/>
+              <a:t>- Single coefficient value per feature</a:t>
+            </a:r>
+          </a:p>
+          <a:p>
+            <a:pPr algn="ctr"/>
+            <a:r>
+              <a:rPr lang="en-US" sz="1400" dirty="0"/>
+              <a:t>- Strategy = OSL</a:t>
+            </a:r>
+          </a:p>
+          <a:p>
+            <a:pPr algn="ctr"/>
+            <a:r>
+              <a:rPr lang="en-US" sz="1400" dirty="0"/>
+              <a:t>- Not uncertainty measures</a:t>
+            </a:r>
+            <a:endParaRPr lang="el-GR" sz="1400" dirty="0"/>
+          </a:p>
+        </p:txBody>
+      </p:sp>
+      <p:sp>
+        <p:nvSpPr>
+          <p:cNvPr id="6" name="Oval 5">
+            <a:extLst>
+              <a:ext uri="{FF2B5EF4-FFF2-40B4-BE49-F238E27FC236}">
+                <a16:creationId xmlns:a16="http://schemas.microsoft.com/office/drawing/2014/main" id="{9E5674A6-5881-8E38-4E6E-08A1D5DEB1E1}"/>
+              </a:ext>
+            </a:extLst>
+          </p:cNvPr>
+          <p:cNvSpPr/>
+          <p:nvPr/>
+        </p:nvSpPr>
+        <p:spPr>
+          <a:xfrm>
+            <a:off x="6263640" y="2920662"/>
+            <a:ext cx="5036820" cy="2954357"/>
+          </a:xfrm>
+          <a:prstGeom prst="ellipse">
+            <a:avLst/>
+          </a:prstGeom>
+          <a:solidFill>
+            <a:schemeClr val="accent5">
+              <a:lumMod val="40000"/>
+              <a:lumOff val="60000"/>
+            </a:schemeClr>
+          </a:solidFill>
+        </p:spPr>
+        <p:style>
+          <a:lnRef idx="2">
+            <a:schemeClr val="accent2">
+              <a:shade val="15000"/>
+            </a:schemeClr>
+          </a:lnRef>
+          <a:fillRef idx="1">
+            <a:schemeClr val="accent2"/>
+          </a:fillRef>
+          <a:effectRef idx="0">
+            <a:schemeClr val="accent2"/>
+          </a:effectRef>
+          <a:fontRef idx="minor">
+            <a:schemeClr val="lt1"/>
+          </a:fontRef>
+        </p:style>
+        <p:txBody>
+          <a:bodyPr rtlCol="0" anchor="ctr"/>
+          <a:lstStyle/>
+          <a:p>
+            <a:pPr algn="ctr"/>
+            <a:r>
+              <a:rPr lang="en-US" dirty="0"/>
+              <a:t>Bayesian Regression</a:t>
+            </a:r>
+          </a:p>
+          <a:p>
+            <a:pPr algn="ctr"/>
+            <a:r>
+              <a:rPr lang="en-US" sz="1400" dirty="0"/>
+              <a:t>- Model parameters are random variables with a probability distribution</a:t>
+            </a:r>
+          </a:p>
+          <a:p>
+            <a:pPr algn="ctr"/>
+            <a:r>
+              <a:rPr lang="en-US" sz="1400" dirty="0"/>
+              <a:t>- Strategy = Prior belief through prior distributions</a:t>
+            </a:r>
+          </a:p>
+          <a:p>
+            <a:pPr algn="ctr"/>
+            <a:r>
+              <a:rPr lang="en-US" sz="1400" dirty="0"/>
+              <a:t>- Uncertainty distribution for the parameters being propagated from prior to posterior</a:t>
+            </a:r>
+            <a:endParaRPr lang="el-GR" sz="1400" dirty="0"/>
+          </a:p>
+          <a:p>
+            <a:pPr algn="ctr"/>
+            <a:endParaRPr lang="en-US" dirty="0"/>
+          </a:p>
+          <a:p>
+            <a:pPr algn="ctr"/>
+            <a:endParaRPr lang="el-GR" dirty="0"/>
           </a:p>
         </p:txBody>
       </p:sp>
     </p:spTree>
     <p:extLst>
       <p:ext uri="{BB962C8B-B14F-4D97-AF65-F5344CB8AC3E}">
-        <p14:creationId xmlns:p14="http://schemas.microsoft.com/office/powerpoint/2010/main" val="3234501479"/>
+        <p14:creationId xmlns:p14="http://schemas.microsoft.com/office/powerpoint/2010/main" val="1906368078"/>
       </p:ext>
     </p:extLst>
   </p:cSld>
@@ -5145,10 +5329,236 @@
           <a:chExt cx="0" cy="0"/>
         </a:xfrm>
       </p:grpSpPr>
+      <p:sp>
+        <p:nvSpPr>
+          <p:cNvPr id="4" name="TextBox 3">
+            <a:extLst>
+              <a:ext uri="{FF2B5EF4-FFF2-40B4-BE49-F238E27FC236}">
+                <a16:creationId xmlns:a16="http://schemas.microsoft.com/office/drawing/2014/main" id="{032593D1-0DD0-8C2C-A055-59B7091B0D15}"/>
+              </a:ext>
+            </a:extLst>
+          </p:cNvPr>
+          <p:cNvSpPr txBox="1"/>
+          <p:nvPr/>
+        </p:nvSpPr>
+        <p:spPr>
+          <a:xfrm>
+            <a:off x="266330" y="213063"/>
+            <a:ext cx="5104660" cy="400110"/>
+          </a:xfrm>
+          <a:prstGeom prst="rect">
+            <a:avLst/>
+          </a:prstGeom>
+          <a:noFill/>
+        </p:spPr>
+        <p:txBody>
+          <a:bodyPr wrap="square" rtlCol="0">
+            <a:spAutoFit/>
+          </a:bodyPr>
+          <a:lstStyle/>
+          <a:p>
+            <a:r>
+              <a:rPr lang="en-US" sz="2000" dirty="0"/>
+              <a:t>Exercise 2 – Bayesian Approach</a:t>
+            </a:r>
+            <a:endParaRPr lang="el-GR" sz="2000" dirty="0"/>
+          </a:p>
+        </p:txBody>
+      </p:sp>
+      <p:pic>
+        <p:nvPicPr>
+          <p:cNvPr id="6" name="Picture 5">
+            <a:extLst>
+              <a:ext uri="{FF2B5EF4-FFF2-40B4-BE49-F238E27FC236}">
+                <a16:creationId xmlns:a16="http://schemas.microsoft.com/office/drawing/2014/main" id="{D8EEB37E-9AF6-B068-48B8-7B265BA24F5D}"/>
+              </a:ext>
+            </a:extLst>
+          </p:cNvPr>
+          <p:cNvPicPr>
+            <a:picLocks noChangeAspect="1"/>
+          </p:cNvPicPr>
+          <p:nvPr/>
+        </p:nvPicPr>
+        <p:blipFill>
+          <a:blip r:embed="rId2"/>
+          <a:stretch>
+            <a:fillRect/>
+          </a:stretch>
+        </p:blipFill>
+        <p:spPr>
+          <a:xfrm>
+            <a:off x="528307" y="1592580"/>
+            <a:ext cx="4176479" cy="4714295"/>
+          </a:xfrm>
+          <a:prstGeom prst="rect">
+            <a:avLst/>
+          </a:prstGeom>
+        </p:spPr>
+      </p:pic>
+      <p:pic>
+        <p:nvPicPr>
+          <p:cNvPr id="8" name="Picture 7">
+            <a:extLst>
+              <a:ext uri="{FF2B5EF4-FFF2-40B4-BE49-F238E27FC236}">
+                <a16:creationId xmlns:a16="http://schemas.microsoft.com/office/drawing/2014/main" id="{B8BB8DC2-CC23-122E-B933-10E3A5F02DE2}"/>
+              </a:ext>
+            </a:extLst>
+          </p:cNvPr>
+          <p:cNvPicPr>
+            <a:picLocks noChangeAspect="1"/>
+          </p:cNvPicPr>
+          <p:nvPr/>
+        </p:nvPicPr>
+        <p:blipFill>
+          <a:blip r:embed="rId3"/>
+          <a:stretch>
+            <a:fillRect/>
+          </a:stretch>
+        </p:blipFill>
+        <p:spPr>
+          <a:xfrm>
+            <a:off x="5896376" y="1592580"/>
+            <a:ext cx="5538799" cy="3875155"/>
+          </a:xfrm>
+          <a:prstGeom prst="rect">
+            <a:avLst/>
+          </a:prstGeom>
+        </p:spPr>
+      </p:pic>
     </p:spTree>
     <p:extLst>
       <p:ext uri="{BB962C8B-B14F-4D97-AF65-F5344CB8AC3E}">
-        <p14:creationId xmlns:p14="http://schemas.microsoft.com/office/powerpoint/2010/main" val="1906368078"/>
+        <p14:creationId xmlns:p14="http://schemas.microsoft.com/office/powerpoint/2010/main" val="4123201562"/>
+      </p:ext>
+    </p:extLst>
+  </p:cSld>
+  <p:clrMapOvr>
+    <a:masterClrMapping/>
+  </p:clrMapOvr>
+</p:sld>
+</file>
+
+<file path=ppt/slides/slide17.xml><?xml version="1.0" encoding="utf-8"?>
+<p:sld xmlns:a="http://schemas.openxmlformats.org/drawingml/2006/main" xmlns:r="http://schemas.openxmlformats.org/officeDocument/2006/relationships" xmlns:p="http://schemas.openxmlformats.org/presentationml/2006/main">
+  <p:cSld>
+    <p:spTree>
+      <p:nvGrpSpPr>
+        <p:cNvPr id="1" name=""/>
+        <p:cNvGrpSpPr/>
+        <p:nvPr/>
+      </p:nvGrpSpPr>
+      <p:grpSpPr>
+        <a:xfrm>
+          <a:off x="0" y="0"/>
+          <a:ext cx="0" cy="0"/>
+          <a:chOff x="0" y="0"/>
+          <a:chExt cx="0" cy="0"/>
+        </a:xfrm>
+      </p:grpSpPr>
+    </p:spTree>
+    <p:extLst>
+      <p:ext uri="{BB962C8B-B14F-4D97-AF65-F5344CB8AC3E}">
+        <p14:creationId xmlns:p14="http://schemas.microsoft.com/office/powerpoint/2010/main" val="3109097024"/>
+      </p:ext>
+    </p:extLst>
+  </p:cSld>
+  <p:clrMapOvr>
+    <a:masterClrMapping/>
+  </p:clrMapOvr>
+</p:sld>
+</file>
+
+<file path=ppt/slides/slide18.xml><?xml version="1.0" encoding="utf-8"?>
+<p:sld xmlns:a="http://schemas.openxmlformats.org/drawingml/2006/main" xmlns:r="http://schemas.openxmlformats.org/officeDocument/2006/relationships" xmlns:p="http://schemas.openxmlformats.org/presentationml/2006/main">
+  <p:cSld>
+    <p:spTree>
+      <p:nvGrpSpPr>
+        <p:cNvPr id="1" name=""/>
+        <p:cNvGrpSpPr/>
+        <p:nvPr/>
+      </p:nvGrpSpPr>
+      <p:grpSpPr>
+        <a:xfrm>
+          <a:off x="0" y="0"/>
+          <a:ext cx="0" cy="0"/>
+          <a:chOff x="0" y="0"/>
+          <a:chExt cx="0" cy="0"/>
+        </a:xfrm>
+      </p:grpSpPr>
+      <p:sp>
+        <p:nvSpPr>
+          <p:cNvPr id="3" name="TextBox 2">
+            <a:extLst>
+              <a:ext uri="{FF2B5EF4-FFF2-40B4-BE49-F238E27FC236}">
+                <a16:creationId xmlns:a16="http://schemas.microsoft.com/office/drawing/2014/main" id="{BAE10327-297A-DC58-AACB-D556EDC4B96D}"/>
+              </a:ext>
+            </a:extLst>
+          </p:cNvPr>
+          <p:cNvSpPr txBox="1"/>
+          <p:nvPr/>
+        </p:nvSpPr>
+        <p:spPr>
+          <a:xfrm>
+            <a:off x="3048000" y="3105835"/>
+            <a:ext cx="6096000" cy="646331"/>
+          </a:xfrm>
+          <a:prstGeom prst="rect">
+            <a:avLst/>
+          </a:prstGeom>
+          <a:noFill/>
+        </p:spPr>
+        <p:txBody>
+          <a:bodyPr wrap="square">
+            <a:spAutoFit/>
+          </a:bodyPr>
+          <a:lstStyle/>
+          <a:p>
+            <a:r>
+              <a:rPr lang="el-GR" dirty="0"/>
+              <a:t>https://www.projectpro.io/article/loan-prediction-using-machine-learning-project-source-code/632</a:t>
+            </a:r>
+          </a:p>
+        </p:txBody>
+      </p:sp>
+      <p:sp>
+        <p:nvSpPr>
+          <p:cNvPr id="5" name="TextBox 4">
+            <a:extLst>
+              <a:ext uri="{FF2B5EF4-FFF2-40B4-BE49-F238E27FC236}">
+                <a16:creationId xmlns:a16="http://schemas.microsoft.com/office/drawing/2014/main" id="{4B7C1DCD-E026-83F6-A9E8-37A1C02C7FE7}"/>
+              </a:ext>
+            </a:extLst>
+          </p:cNvPr>
+          <p:cNvSpPr txBox="1"/>
+          <p:nvPr/>
+        </p:nvSpPr>
+        <p:spPr>
+          <a:xfrm>
+            <a:off x="3048000" y="3752166"/>
+            <a:ext cx="6096000" cy="646331"/>
+          </a:xfrm>
+          <a:prstGeom prst="rect">
+            <a:avLst/>
+          </a:prstGeom>
+          <a:noFill/>
+        </p:spPr>
+        <p:txBody>
+          <a:bodyPr wrap="square">
+            <a:spAutoFit/>
+          </a:bodyPr>
+          <a:lstStyle/>
+          <a:p>
+            <a:r>
+              <a:rPr lang="el-GR" dirty="0"/>
+              <a:t>https://github.com/limchiahooi/loan-approval-prediction/blob/master/loan-approval-prediction.ipynb</a:t>
+            </a:r>
+          </a:p>
+        </p:txBody>
+      </p:sp>
+    </p:spTree>
+    <p:extLst>
+      <p:ext uri="{BB962C8B-B14F-4D97-AF65-F5344CB8AC3E}">
+        <p14:creationId xmlns:p14="http://schemas.microsoft.com/office/powerpoint/2010/main" val="3234501479"/>
       </p:ext>
     </p:extLst>
   </p:cSld>

--- a/GeorgopoulosSpyros_FerreroPresentation.pptx
+++ b/GeorgopoulosSpyros_FerreroPresentation.pptx
@@ -22,7 +22,6 @@
     <p:sldId id="271" r:id="rId16"/>
     <p:sldId id="273" r:id="rId17"/>
     <p:sldId id="274" r:id="rId18"/>
-    <p:sldId id="270" r:id="rId19"/>
   </p:sldIdLst>
   <p:sldSz cx="12192000" cy="6858000"/>
   <p:notesSz cx="6858000" cy="9144000"/>
@@ -3498,10 +3497,10 @@
       </p:sp>
       <p:pic>
         <p:nvPicPr>
-          <p:cNvPr id="8" name="Picture 7">
-            <a:extLst>
-              <a:ext uri="{FF2B5EF4-FFF2-40B4-BE49-F238E27FC236}">
-                <a16:creationId xmlns:a16="http://schemas.microsoft.com/office/drawing/2014/main" id="{97AA7FC6-CCF7-2919-5986-A2FF45CF4DA4}"/>
+          <p:cNvPr id="3" name="Picture 2">
+            <a:extLst>
+              <a:ext uri="{FF2B5EF4-FFF2-40B4-BE49-F238E27FC236}">
+                <a16:creationId xmlns:a16="http://schemas.microsoft.com/office/drawing/2014/main" id="{8CB10029-F6A6-49B7-02BE-6F7CB5971779}"/>
               </a:ext>
             </a:extLst>
           </p:cNvPr>
@@ -3518,8 +3517,8 @@
         </p:blipFill>
         <p:spPr>
           <a:xfrm>
-            <a:off x="2505262" y="1740172"/>
-            <a:ext cx="7064251" cy="2762636"/>
+            <a:off x="4854236" y="1745311"/>
+            <a:ext cx="2483528" cy="1028280"/>
           </a:xfrm>
           <a:prstGeom prst="rect">
             <a:avLst/>
@@ -5228,8 +5227,8 @@
         </p:nvSpPr>
         <p:spPr>
           <a:xfrm>
-            <a:off x="6263640" y="2920662"/>
-            <a:ext cx="5036820" cy="2954357"/>
+            <a:off x="6263640" y="2920663"/>
+            <a:ext cx="5036820" cy="2521350"/>
           </a:xfrm>
           <a:prstGeom prst="ellipse">
             <a:avLst/>
@@ -5260,6 +5259,14 @@
         <p:txBody>
           <a:bodyPr rtlCol="0" anchor="ctr"/>
           <a:lstStyle/>
+          <a:p>
+            <a:pPr algn="ctr"/>
+            <a:endParaRPr lang="en-US" dirty="0"/>
+          </a:p>
+          <a:p>
+            <a:pPr algn="ctr"/>
+            <a:endParaRPr lang="en-US" dirty="0"/>
+          </a:p>
           <a:p>
             <a:pPr algn="ctr"/>
             <a:r>
@@ -5343,8 +5350,8 @@
         </p:nvSpPr>
         <p:spPr>
           <a:xfrm>
-            <a:off x="266330" y="213063"/>
-            <a:ext cx="5104660" cy="400110"/>
+            <a:off x="266329" y="213063"/>
+            <a:ext cx="7137648" cy="400110"/>
           </a:xfrm>
           <a:prstGeom prst="rect">
             <a:avLst/>
@@ -5359,9 +5366,13 @@
           <a:p>
             <a:r>
               <a:rPr lang="en-US" sz="2000" dirty="0"/>
-              <a:t>Exercise 2 – Bayesian Approach</a:t>
-            </a:r>
-            <a:endParaRPr lang="el-GR" sz="2000" dirty="0"/>
+              <a:t>Exercise 2 – Bayesian Approach – Ridge regression</a:t>
+            </a:r>
+            <a:r>
+              <a:rPr lang="en-US" sz="800" dirty="0"/>
+              <a:t>*(see next page)</a:t>
+            </a:r>
+            <a:endParaRPr lang="el-GR" sz="800" dirty="0"/>
           </a:p>
         </p:txBody>
       </p:sp>
@@ -5455,110 +5466,128 @@
           <a:chExt cx="0" cy="0"/>
         </a:xfrm>
       </p:grpSpPr>
+      <p:sp>
+        <p:nvSpPr>
+          <p:cNvPr id="5" name="Rectangle: Rounded Corners 4">
+            <a:extLst>
+              <a:ext uri="{FF2B5EF4-FFF2-40B4-BE49-F238E27FC236}">
+                <a16:creationId xmlns:a16="http://schemas.microsoft.com/office/drawing/2014/main" id="{4C06F0BF-F7C0-2703-5B4F-25FC1F54F124}"/>
+              </a:ext>
+            </a:extLst>
+          </p:cNvPr>
+          <p:cNvSpPr/>
+          <p:nvPr/>
+        </p:nvSpPr>
+        <p:spPr>
+          <a:xfrm>
+            <a:off x="337352" y="512672"/>
+            <a:ext cx="7261934" cy="2361460"/>
+          </a:xfrm>
+          <a:prstGeom prst="roundRect">
+            <a:avLst/>
+          </a:prstGeom>
+        </p:spPr>
+        <p:style>
+          <a:lnRef idx="2">
+            <a:schemeClr val="accent1">
+              <a:shade val="15000"/>
+            </a:schemeClr>
+          </a:lnRef>
+          <a:fillRef idx="1">
+            <a:schemeClr val="accent1"/>
+          </a:fillRef>
+          <a:effectRef idx="0">
+            <a:schemeClr val="accent1"/>
+          </a:effectRef>
+          <a:fontRef idx="minor">
+            <a:schemeClr val="lt1"/>
+          </a:fontRef>
+        </p:style>
+        <p:txBody>
+          <a:bodyPr rtlCol="0" anchor="ctr"/>
+          <a:lstStyle/>
+          <a:p>
+            <a:r>
+              <a:rPr lang="en-US" dirty="0"/>
+              <a:t>Overall I would really like to thank you for the opportunity to be a part of that particular level of the interview process. </a:t>
+            </a:r>
+          </a:p>
+          <a:p>
+            <a:r>
+              <a:rPr lang="en-US" dirty="0"/>
+              <a:t>I really enjoyed the project and the process so far. </a:t>
+            </a:r>
+          </a:p>
+          <a:p>
+            <a:r>
+              <a:rPr lang="en-US" dirty="0"/>
+              <a:t>I hope I have more or less covered the most part of it successfully and implemented a decent analysis given that the time was limited. </a:t>
+            </a:r>
+            <a:endParaRPr lang="el-GR" dirty="0"/>
+          </a:p>
+        </p:txBody>
+      </p:sp>
+      <p:sp>
+        <p:nvSpPr>
+          <p:cNvPr id="6" name="Rectangle: Rounded Corners 5">
+            <a:extLst>
+              <a:ext uri="{FF2B5EF4-FFF2-40B4-BE49-F238E27FC236}">
+                <a16:creationId xmlns:a16="http://schemas.microsoft.com/office/drawing/2014/main" id="{2B3D83B2-5686-42B3-085D-0965EC8397CE}"/>
+              </a:ext>
+            </a:extLst>
+          </p:cNvPr>
+          <p:cNvSpPr/>
+          <p:nvPr/>
+        </p:nvSpPr>
+        <p:spPr>
+          <a:xfrm>
+            <a:off x="5477522" y="3730841"/>
+            <a:ext cx="6640497" cy="2361459"/>
+          </a:xfrm>
+          <a:prstGeom prst="roundRect">
+            <a:avLst/>
+          </a:prstGeom>
+        </p:spPr>
+        <p:style>
+          <a:lnRef idx="2">
+            <a:schemeClr val="accent2">
+              <a:shade val="15000"/>
+            </a:schemeClr>
+          </a:lnRef>
+          <a:fillRef idx="1">
+            <a:schemeClr val="accent2"/>
+          </a:fillRef>
+          <a:effectRef idx="0">
+            <a:schemeClr val="accent2"/>
+          </a:effectRef>
+          <a:fontRef idx="minor">
+            <a:schemeClr val="lt1"/>
+          </a:fontRef>
+        </p:style>
+        <p:txBody>
+          <a:bodyPr rtlCol="0" anchor="ctr"/>
+          <a:lstStyle/>
+          <a:p>
+            <a:r>
+              <a:rPr lang="en-US" dirty="0"/>
+              <a:t>*I had some trouble applying Bayesian Linear regression. I have never used such model in the past. I studied about it and understood how to implement but the </a:t>
+            </a:r>
+            <a:r>
+              <a:rPr lang="en-US" dirty="0" err="1"/>
+              <a:t>pymc</a:t>
+            </a:r>
+            <a:r>
+              <a:rPr lang="en-US" dirty="0"/>
+              <a:t> library was unable to be installed in both of my computers regardless my efforts/debugging/environments. I did not want to leave questions unanswered so I turned to Bayesian Ridge Regression for boosting my initial Linear Regression Model.</a:t>
+            </a:r>
+            <a:endParaRPr lang="el-GR" dirty="0"/>
+          </a:p>
+        </p:txBody>
+      </p:sp>
     </p:spTree>
     <p:extLst>
       <p:ext uri="{BB962C8B-B14F-4D97-AF65-F5344CB8AC3E}">
         <p14:creationId xmlns:p14="http://schemas.microsoft.com/office/powerpoint/2010/main" val="3109097024"/>
-      </p:ext>
-    </p:extLst>
-  </p:cSld>
-  <p:clrMapOvr>
-    <a:masterClrMapping/>
-  </p:clrMapOvr>
-</p:sld>
-</file>
-
-<file path=ppt/slides/slide18.xml><?xml version="1.0" encoding="utf-8"?>
-<p:sld xmlns:a="http://schemas.openxmlformats.org/drawingml/2006/main" xmlns:r="http://schemas.openxmlformats.org/officeDocument/2006/relationships" xmlns:p="http://schemas.openxmlformats.org/presentationml/2006/main">
-  <p:cSld>
-    <p:spTree>
-      <p:nvGrpSpPr>
-        <p:cNvPr id="1" name=""/>
-        <p:cNvGrpSpPr/>
-        <p:nvPr/>
-      </p:nvGrpSpPr>
-      <p:grpSpPr>
-        <a:xfrm>
-          <a:off x="0" y="0"/>
-          <a:ext cx="0" cy="0"/>
-          <a:chOff x="0" y="0"/>
-          <a:chExt cx="0" cy="0"/>
-        </a:xfrm>
-      </p:grpSpPr>
-      <p:sp>
-        <p:nvSpPr>
-          <p:cNvPr id="3" name="TextBox 2">
-            <a:extLst>
-              <a:ext uri="{FF2B5EF4-FFF2-40B4-BE49-F238E27FC236}">
-                <a16:creationId xmlns:a16="http://schemas.microsoft.com/office/drawing/2014/main" id="{BAE10327-297A-DC58-AACB-D556EDC4B96D}"/>
-              </a:ext>
-            </a:extLst>
-          </p:cNvPr>
-          <p:cNvSpPr txBox="1"/>
-          <p:nvPr/>
-        </p:nvSpPr>
-        <p:spPr>
-          <a:xfrm>
-            <a:off x="3048000" y="3105835"/>
-            <a:ext cx="6096000" cy="646331"/>
-          </a:xfrm>
-          <a:prstGeom prst="rect">
-            <a:avLst/>
-          </a:prstGeom>
-          <a:noFill/>
-        </p:spPr>
-        <p:txBody>
-          <a:bodyPr wrap="square">
-            <a:spAutoFit/>
-          </a:bodyPr>
-          <a:lstStyle/>
-          <a:p>
-            <a:r>
-              <a:rPr lang="el-GR" dirty="0"/>
-              <a:t>https://www.projectpro.io/article/loan-prediction-using-machine-learning-project-source-code/632</a:t>
-            </a:r>
-          </a:p>
-        </p:txBody>
-      </p:sp>
-      <p:sp>
-        <p:nvSpPr>
-          <p:cNvPr id="5" name="TextBox 4">
-            <a:extLst>
-              <a:ext uri="{FF2B5EF4-FFF2-40B4-BE49-F238E27FC236}">
-                <a16:creationId xmlns:a16="http://schemas.microsoft.com/office/drawing/2014/main" id="{4B7C1DCD-E026-83F6-A9E8-37A1C02C7FE7}"/>
-              </a:ext>
-            </a:extLst>
-          </p:cNvPr>
-          <p:cNvSpPr txBox="1"/>
-          <p:nvPr/>
-        </p:nvSpPr>
-        <p:spPr>
-          <a:xfrm>
-            <a:off x="3048000" y="3752166"/>
-            <a:ext cx="6096000" cy="646331"/>
-          </a:xfrm>
-          <a:prstGeom prst="rect">
-            <a:avLst/>
-          </a:prstGeom>
-          <a:noFill/>
-        </p:spPr>
-        <p:txBody>
-          <a:bodyPr wrap="square">
-            <a:spAutoFit/>
-          </a:bodyPr>
-          <a:lstStyle/>
-          <a:p>
-            <a:r>
-              <a:rPr lang="el-GR" dirty="0"/>
-              <a:t>https://github.com/limchiahooi/loan-approval-prediction/blob/master/loan-approval-prediction.ipynb</a:t>
-            </a:r>
-          </a:p>
-        </p:txBody>
-      </p:sp>
-    </p:spTree>
-    <p:extLst>
-      <p:ext uri="{BB962C8B-B14F-4D97-AF65-F5344CB8AC3E}">
-        <p14:creationId xmlns:p14="http://schemas.microsoft.com/office/powerpoint/2010/main" val="3234501479"/>
       </p:ext>
     </p:extLst>
   </p:cSld>
@@ -6237,7 +6266,7 @@
               <a:buAutoNum type="arabicPeriod"/>
             </a:pPr>
             <a:r>
-              <a:rPr lang="en-US" sz="1600" b="1" dirty="0"/>
+              <a:rPr lang="en-US" sz="1600" b="1" u="sng" dirty="0"/>
               <a:t>Most frequent</a:t>
             </a:r>
             <a:r>
@@ -6250,7 +6279,7 @@
               <a:buAutoNum type="arabicPeriod"/>
             </a:pPr>
             <a:r>
-              <a:rPr lang="en-US" sz="1600" b="1" dirty="0"/>
+              <a:rPr lang="en-US" sz="1600" b="1" u="sng" dirty="0"/>
               <a:t>Mean</a:t>
             </a:r>
             <a:r>
@@ -6401,8 +6430,8 @@
         </p:nvSpPr>
         <p:spPr>
           <a:xfrm>
-            <a:off x="260350" y="908050"/>
-            <a:ext cx="3600450" cy="369332"/>
+            <a:off x="348741" y="1038181"/>
+            <a:ext cx="3600450" cy="5047536"/>
           </a:xfrm>
           <a:prstGeom prst="rect">
             <a:avLst/>
@@ -6415,11 +6444,239 @@
           </a:bodyPr>
           <a:lstStyle/>
           <a:p>
-            <a:r>
-              <a:rPr lang="en-US" dirty="0"/>
-              <a:t>Comments on that</a:t>
-            </a:r>
-            <a:endParaRPr lang="el-GR" dirty="0"/>
+            <a:pPr algn="l">
+              <a:buFont typeface="Arial" panose="020B0604020202020204" pitchFamily="34" charset="0"/>
+              <a:buChar char="•"/>
+            </a:pPr>
+            <a:r>
+              <a:rPr lang="en-US" sz="1400" b="0" i="0" dirty="0">
+                <a:effectLst/>
+                <a:highlight>
+                  <a:srgbClr val="FFFFFF"/>
+                </a:highlight>
+                <a:latin typeface="system-ui"/>
+              </a:rPr>
+              <a:t> Proportion of male and female applicants is more or less same for both approved and unapproved loans</a:t>
+            </a:r>
+          </a:p>
+          <a:p>
+            <a:pPr algn="l">
+              <a:buFont typeface="Arial" panose="020B0604020202020204" pitchFamily="34" charset="0"/>
+              <a:buChar char="•"/>
+            </a:pPr>
+            <a:endParaRPr lang="en-US" sz="1400" b="0" i="0" dirty="0">
+              <a:effectLst/>
+              <a:highlight>
+                <a:srgbClr val="FFFFFF"/>
+              </a:highlight>
+              <a:latin typeface="system-ui"/>
+            </a:endParaRPr>
+          </a:p>
+          <a:p>
+            <a:pPr algn="l">
+              <a:buFont typeface="Arial" panose="020B0604020202020204" pitchFamily="34" charset="0"/>
+              <a:buChar char="•"/>
+            </a:pPr>
+            <a:r>
+              <a:rPr lang="en-US" sz="1400" b="0" i="0" dirty="0">
+                <a:effectLst/>
+                <a:highlight>
+                  <a:srgbClr val="FFFFFF"/>
+                </a:highlight>
+                <a:latin typeface="system-ui"/>
+              </a:rPr>
+              <a:t> For graduates </a:t>
+            </a:r>
+            <a:r>
+              <a:rPr lang="en-US" sz="1400" dirty="0">
+                <a:highlight>
+                  <a:srgbClr val="FFFFFF"/>
+                </a:highlight>
+                <a:latin typeface="system-ui"/>
+              </a:rPr>
+              <a:t>it is more likely to approve a loan</a:t>
+            </a:r>
+          </a:p>
+          <a:p>
+            <a:pPr algn="l">
+              <a:buFont typeface="Arial" panose="020B0604020202020204" pitchFamily="34" charset="0"/>
+              <a:buChar char="•"/>
+            </a:pPr>
+            <a:endParaRPr lang="en-US" sz="1400" b="0" i="0" dirty="0">
+              <a:effectLst/>
+              <a:highlight>
+                <a:srgbClr val="FFFFFF"/>
+              </a:highlight>
+              <a:latin typeface="system-ui"/>
+            </a:endParaRPr>
+          </a:p>
+          <a:p>
+            <a:pPr algn="l">
+              <a:buFont typeface="Arial" panose="020B0604020202020204" pitchFamily="34" charset="0"/>
+              <a:buChar char="•"/>
+            </a:pPr>
+            <a:r>
+              <a:rPr lang="en-US" sz="1400" b="0" i="0" dirty="0">
+                <a:effectLst/>
+                <a:highlight>
+                  <a:srgbClr val="FFFFFF"/>
+                </a:highlight>
+                <a:latin typeface="system-ui"/>
+              </a:rPr>
+              <a:t> Proportion of married applicants is higher for the approved loans</a:t>
+            </a:r>
+          </a:p>
+          <a:p>
+            <a:pPr algn="l">
+              <a:buFont typeface="Arial" panose="020B0604020202020204" pitchFamily="34" charset="0"/>
+              <a:buChar char="•"/>
+            </a:pPr>
+            <a:endParaRPr lang="en-US" sz="1400" b="0" i="0" dirty="0">
+              <a:effectLst/>
+              <a:highlight>
+                <a:srgbClr val="FFFFFF"/>
+              </a:highlight>
+              <a:latin typeface="system-ui"/>
+            </a:endParaRPr>
+          </a:p>
+          <a:p>
+            <a:pPr algn="l">
+              <a:buFont typeface="Arial" panose="020B0604020202020204" pitchFamily="34" charset="0"/>
+              <a:buChar char="•"/>
+            </a:pPr>
+            <a:r>
+              <a:rPr lang="en-US" sz="1400" dirty="0">
+                <a:highlight>
+                  <a:srgbClr val="FFFFFF"/>
+                </a:highlight>
+                <a:latin typeface="system-ui"/>
+              </a:rPr>
+              <a:t> The d</a:t>
+            </a:r>
+            <a:r>
+              <a:rPr lang="en-US" sz="1400" b="0" i="0" dirty="0">
+                <a:effectLst/>
+                <a:highlight>
+                  <a:srgbClr val="FFFFFF"/>
+                </a:highlight>
+                <a:latin typeface="system-ui"/>
+              </a:rPr>
+              <a:t>istribution of applicants with 1 or 3+ dependents is similar across both the categories of Loan Status. For 1 and 2 it varies</a:t>
+            </a:r>
+          </a:p>
+          <a:p>
+            <a:pPr algn="l">
+              <a:buFont typeface="Arial" panose="020B0604020202020204" pitchFamily="34" charset="0"/>
+              <a:buChar char="•"/>
+            </a:pPr>
+            <a:endParaRPr lang="en-US" sz="1400" b="0" i="0" dirty="0">
+              <a:effectLst/>
+              <a:highlight>
+                <a:srgbClr val="FFFFFF"/>
+              </a:highlight>
+              <a:latin typeface="system-ui"/>
+            </a:endParaRPr>
+          </a:p>
+          <a:p>
+            <a:pPr algn="l">
+              <a:buFont typeface="Arial" panose="020B0604020202020204" pitchFamily="34" charset="0"/>
+              <a:buChar char="•"/>
+            </a:pPr>
+            <a:r>
+              <a:rPr lang="en-US" sz="1400" dirty="0">
+                <a:highlight>
+                  <a:srgbClr val="FFFFFF"/>
+                </a:highlight>
+                <a:latin typeface="system-ui"/>
+              </a:rPr>
+              <a:t> T</a:t>
+            </a:r>
+            <a:r>
+              <a:rPr lang="en-US" sz="1400" b="0" i="0" dirty="0">
+                <a:effectLst/>
+                <a:highlight>
+                  <a:srgbClr val="FFFFFF"/>
+                </a:highlight>
+                <a:latin typeface="system-ui"/>
+              </a:rPr>
+              <a:t>here is nothing significant for the Self-employed or not category.</a:t>
+            </a:r>
+          </a:p>
+          <a:p>
+            <a:pPr algn="l">
+              <a:buFont typeface="Arial" panose="020B0604020202020204" pitchFamily="34" charset="0"/>
+              <a:buChar char="•"/>
+            </a:pPr>
+            <a:endParaRPr lang="en-US" sz="1400" b="0" i="0" dirty="0">
+              <a:effectLst/>
+              <a:highlight>
+                <a:srgbClr val="FFFFFF"/>
+              </a:highlight>
+              <a:latin typeface="system-ui"/>
+            </a:endParaRPr>
+          </a:p>
+          <a:p>
+            <a:pPr algn="l">
+              <a:buFont typeface="Arial" panose="020B0604020202020204" pitchFamily="34" charset="0"/>
+              <a:buChar char="•"/>
+            </a:pPr>
+            <a:r>
+              <a:rPr lang="en-US" sz="1400" dirty="0">
+                <a:highlight>
+                  <a:srgbClr val="FFFFFF"/>
+                </a:highlight>
+                <a:latin typeface="system-ui"/>
+              </a:rPr>
+              <a:t> P</a:t>
+            </a:r>
+            <a:r>
+              <a:rPr lang="en-US" sz="1400" b="0" i="0" dirty="0">
+                <a:effectLst/>
+                <a:highlight>
+                  <a:srgbClr val="FFFFFF"/>
+                </a:highlight>
+                <a:latin typeface="system-ui"/>
+              </a:rPr>
+              <a:t>roportion of loans getting approved in semiurban area is higher as compared to that in rural or urban areas.</a:t>
+            </a:r>
+          </a:p>
+          <a:p>
+            <a:pPr algn="l">
+              <a:buFont typeface="Arial" panose="020B0604020202020204" pitchFamily="34" charset="0"/>
+              <a:buChar char="•"/>
+            </a:pPr>
+            <a:endParaRPr lang="en-US" sz="1400" b="0" i="0" dirty="0">
+              <a:effectLst/>
+              <a:highlight>
+                <a:srgbClr val="FFFFFF"/>
+              </a:highlight>
+              <a:latin typeface="system-ui"/>
+            </a:endParaRPr>
+          </a:p>
+          <a:p>
+            <a:pPr algn="l">
+              <a:buFont typeface="Arial" panose="020B0604020202020204" pitchFamily="34" charset="0"/>
+              <a:buChar char="•"/>
+            </a:pPr>
+            <a:r>
+              <a:rPr lang="en-US" sz="1400" dirty="0">
+                <a:highlight>
+                  <a:srgbClr val="FFFFFF"/>
+                </a:highlight>
+                <a:latin typeface="system-ui"/>
+              </a:rPr>
+              <a:t> People </a:t>
+            </a:r>
+            <a:r>
+              <a:rPr lang="en-US" sz="1400" b="0" i="0" dirty="0">
+                <a:effectLst/>
+                <a:highlight>
+                  <a:srgbClr val="FFFFFF"/>
+                </a:highlight>
+                <a:latin typeface="system-ui"/>
+              </a:rPr>
+              <a:t>with credit history as 1 are more likely to get their loans approved</a:t>
+            </a:r>
           </a:p>
         </p:txBody>
       </p:sp>
@@ -6593,8 +6850,8 @@
         </p:nvSpPr>
         <p:spPr>
           <a:xfrm>
-            <a:off x="260350" y="908050"/>
-            <a:ext cx="3600450" cy="369332"/>
+            <a:off x="542312" y="738936"/>
+            <a:ext cx="4729288" cy="2677656"/>
           </a:xfrm>
           <a:prstGeom prst="rect">
             <a:avLst/>
@@ -6608,10 +6865,71 @@
           <a:lstStyle/>
           <a:p>
             <a:r>
-              <a:rPr lang="en-US" dirty="0"/>
-              <a:t>Comments on that</a:t>
-            </a:r>
-            <a:endParaRPr lang="el-GR" dirty="0"/>
+              <a:rPr lang="en-US" sz="1400" dirty="0"/>
+              <a:t>All three distributions are skewed to the right since we have people of different education levels and the </a:t>
+            </a:r>
+            <a:r>
+              <a:rPr lang="en-US" sz="1400" b="0" i="0" dirty="0">
+                <a:effectLst/>
+                <a:highlight>
+                  <a:srgbClr val="FFFFFF"/>
+                </a:highlight>
+                <a:latin typeface="system-ui"/>
+              </a:rPr>
+              <a:t>income disparity in the society can be depicted.</a:t>
+            </a:r>
+            <a:endParaRPr lang="en-US" sz="1400" dirty="0"/>
+          </a:p>
+          <a:p>
+            <a:pPr marL="285750" indent="-285750">
+              <a:buFontTx/>
+              <a:buChar char="-"/>
+            </a:pPr>
+            <a:r>
+              <a:rPr lang="en-US" sz="1400" dirty="0"/>
+              <a:t>Outlier presence</a:t>
+            </a:r>
+          </a:p>
+          <a:p>
+            <a:pPr marL="285750" indent="-285750">
+              <a:buFontTx/>
+              <a:buChar char="-"/>
+            </a:pPr>
+            <a:r>
+              <a:rPr lang="en-US" sz="1400" dirty="0"/>
+              <a:t>Not normal distributions</a:t>
+            </a:r>
+          </a:p>
+          <a:p>
+            <a:pPr marL="285750" indent="-285750">
+              <a:buFontTx/>
+              <a:buChar char="-"/>
+            </a:pPr>
+            <a:r>
+              <a:rPr lang="en-US" sz="1400" dirty="0"/>
+              <a:t>Positive skewness (more applicants for lower amounts)</a:t>
+            </a:r>
+          </a:p>
+          <a:p>
+            <a:pPr marL="285750" indent="-285750">
+              <a:buFontTx/>
+              <a:buChar char="-"/>
+            </a:pPr>
+            <a:r>
+              <a:rPr lang="en-US" sz="1400" dirty="0"/>
+              <a:t>rejections and approvals happen across the loan amount spectrum</a:t>
+            </a:r>
+          </a:p>
+          <a:p>
+            <a:pPr marL="285750" indent="-285750">
+              <a:buFontTx/>
+              <a:buChar char="-"/>
+            </a:pPr>
+            <a:r>
+              <a:rPr lang="en-US" sz="1400" dirty="0"/>
+              <a:t>the graphs suggest a potential relationship between loan amount/income and loan approval. However, it's likely that other factors also play a role in the loan approval process.</a:t>
+            </a:r>
+            <a:endParaRPr lang="el-GR" sz="1400" dirty="0"/>
           </a:p>
         </p:txBody>
       </p:sp>
